--- a/Learning/Basic/Architect/CQRS/Resource/CQRS.pptx
+++ b/Learning/Basic/Architect/CQRS/Resource/CQRS.pptx
@@ -10,7 +10,10 @@
     <p:sldId id="258" r:id="rId4"/>
     <p:sldId id="260" r:id="rId5"/>
     <p:sldId id="261" r:id="rId6"/>
-    <p:sldId id="259" r:id="rId7"/>
+    <p:sldId id="262" r:id="rId7"/>
+    <p:sldId id="263" r:id="rId8"/>
+    <p:sldId id="264" r:id="rId9"/>
+    <p:sldId id="259" r:id="rId10"/>
   </p:sldIdLst>
   <p:sldSz cx="12192000" cy="6858000"/>
   <p:notesSz cx="6858000" cy="9144000"/>
@@ -3802,17 +3805,17 @@
           <a:p>
             <a:r>
               <a:rPr lang="en-US" sz="3200" dirty="0"/>
-              <a:t>Facts</a:t>
-            </a:r>
-          </a:p>
-        </p:txBody>
-      </p:sp>
-      <p:sp>
-        <p:nvSpPr>
-          <p:cNvPr id="4" name="Rectangle 3">
-            <a:extLst>
-              <a:ext uri="{FF2B5EF4-FFF2-40B4-BE49-F238E27FC236}">
-                <a16:creationId xmlns:a16="http://schemas.microsoft.com/office/drawing/2014/main" id="{579431A6-7E31-45C0-83D3-421ABB1870F4}"/>
+              <a:t>Simple MVC</a:t>
+            </a:r>
+          </a:p>
+        </p:txBody>
+      </p:sp>
+      <p:sp>
+        <p:nvSpPr>
+          <p:cNvPr id="3" name="Rectangle 2">
+            <a:extLst>
+              <a:ext uri="{FF2B5EF4-FFF2-40B4-BE49-F238E27FC236}">
+                <a16:creationId xmlns:a16="http://schemas.microsoft.com/office/drawing/2014/main" id="{52375A82-C1EB-4D7C-8A3D-AE940E544894}"/>
               </a:ext>
             </a:extLst>
           </p:cNvPr>
@@ -3821,63 +3824,457 @@
         </p:nvSpPr>
         <p:spPr>
           <a:xfrm>
-            <a:off x="642150" y="1200911"/>
-            <a:ext cx="10135341" cy="646331"/>
+            <a:off x="3835339" y="1510591"/>
+            <a:ext cx="1056442" cy="914400"/>
           </a:xfrm>
           <a:prstGeom prst="rect">
             <a:avLst/>
           </a:prstGeom>
+          <a:solidFill>
+            <a:schemeClr val="accent1">
+              <a:lumMod val="20000"/>
+              <a:lumOff val="80000"/>
+            </a:schemeClr>
+          </a:solidFill>
         </p:spPr>
-        <p:txBody>
-          <a:bodyPr wrap="square">
-            <a:spAutoFit/>
-          </a:bodyPr>
+        <p:style>
+          <a:lnRef idx="2">
+            <a:schemeClr val="accent1">
+              <a:shade val="50000"/>
+            </a:schemeClr>
+          </a:lnRef>
+          <a:fillRef idx="1">
+            <a:schemeClr val="accent1"/>
+          </a:fillRef>
+          <a:effectRef idx="0">
+            <a:schemeClr val="accent1"/>
+          </a:effectRef>
+          <a:fontRef idx="minor">
+            <a:schemeClr val="lt1"/>
+          </a:fontRef>
+        </p:style>
+        <p:txBody>
+          <a:bodyPr rtlCol="0" anchor="ctr"/>
           <a:lstStyle/>
           <a:p>
-            <a:pPr marL="285750" indent="-285750">
-              <a:buFont typeface="Arial" panose="020B0604020202020204" pitchFamily="34" charset="0"/>
-              <a:buChar char="•"/>
-            </a:pPr>
-            <a:r>
-              <a:rPr lang="en-US" dirty="0"/>
-              <a:t>It’s a pattern not the architecture.</a:t>
-            </a:r>
-          </a:p>
-          <a:p>
-            <a:endParaRPr lang="en-US" dirty="0"/>
-          </a:p>
-        </p:txBody>
-      </p:sp>
-      <p:pic>
-        <p:nvPicPr>
-          <p:cNvPr id="5" name="Picture 4">
-            <a:extLst>
-              <a:ext uri="{FF2B5EF4-FFF2-40B4-BE49-F238E27FC236}">
-                <a16:creationId xmlns:a16="http://schemas.microsoft.com/office/drawing/2014/main" id="{D530ABC5-C345-447D-99BE-8CD532D18287}"/>
-              </a:ext>
-            </a:extLst>
-          </p:cNvPr>
-          <p:cNvPicPr>
-            <a:picLocks noChangeAspect="1"/>
-          </p:cNvPicPr>
+            <a:pPr algn="ctr"/>
+            <a:r>
+              <a:rPr lang="en-US" dirty="0">
+                <a:solidFill>
+                  <a:schemeClr val="tx1"/>
+                </a:solidFill>
+              </a:rPr>
+              <a:t>UI- MVC</a:t>
+            </a:r>
+          </a:p>
+        </p:txBody>
+      </p:sp>
+      <p:sp>
+        <p:nvSpPr>
+          <p:cNvPr id="7" name="Rectangle 6">
+            <a:extLst>
+              <a:ext uri="{FF2B5EF4-FFF2-40B4-BE49-F238E27FC236}">
+                <a16:creationId xmlns:a16="http://schemas.microsoft.com/office/drawing/2014/main" id="{4C204792-5D71-4888-B40C-51DFB0204CAC}"/>
+              </a:ext>
+            </a:extLst>
+          </p:cNvPr>
+          <p:cNvSpPr/>
           <p:nvPr/>
-        </p:nvPicPr>
-        <p:blipFill>
-          <a:blip r:embed="rId2"/>
-          <a:stretch>
-            <a:fillRect/>
-          </a:stretch>
-        </p:blipFill>
+        </p:nvSpPr>
         <p:spPr>
           <a:xfrm>
-            <a:off x="0" y="674719"/>
-            <a:ext cx="12192000" cy="5508561"/>
+            <a:off x="5647862" y="1510591"/>
+            <a:ext cx="1232517" cy="914400"/>
           </a:xfrm>
           <a:prstGeom prst="rect">
             <a:avLst/>
           </a:prstGeom>
+          <a:solidFill>
+            <a:schemeClr val="accent1">
+              <a:lumMod val="20000"/>
+              <a:lumOff val="80000"/>
+            </a:schemeClr>
+          </a:solidFill>
         </p:spPr>
-      </p:pic>
+        <p:style>
+          <a:lnRef idx="2">
+            <a:schemeClr val="accent1">
+              <a:shade val="50000"/>
+            </a:schemeClr>
+          </a:lnRef>
+          <a:fillRef idx="1">
+            <a:schemeClr val="accent1"/>
+          </a:fillRef>
+          <a:effectRef idx="0">
+            <a:schemeClr val="accent1"/>
+          </a:effectRef>
+          <a:fontRef idx="minor">
+            <a:schemeClr val="lt1"/>
+          </a:fontRef>
+        </p:style>
+        <p:txBody>
+          <a:bodyPr rtlCol="0" anchor="ctr"/>
+          <a:lstStyle/>
+          <a:p>
+            <a:pPr algn="ctr"/>
+            <a:r>
+              <a:rPr lang="en-US" dirty="0">
+                <a:solidFill>
+                  <a:schemeClr val="tx1"/>
+                </a:solidFill>
+              </a:rPr>
+              <a:t>Controller</a:t>
+            </a:r>
+          </a:p>
+        </p:txBody>
+      </p:sp>
+      <p:cxnSp>
+        <p:nvCxnSpPr>
+          <p:cNvPr id="9" name="Straight Arrow Connector 8">
+            <a:extLst>
+              <a:ext uri="{FF2B5EF4-FFF2-40B4-BE49-F238E27FC236}">
+                <a16:creationId xmlns:a16="http://schemas.microsoft.com/office/drawing/2014/main" id="{45D33934-C83B-4EB1-9F76-ACD0305F17E1}"/>
+              </a:ext>
+            </a:extLst>
+          </p:cNvPr>
+          <p:cNvCxnSpPr>
+            <a:cxnSpLocks/>
+            <a:stCxn id="3" idx="3"/>
+            <a:endCxn id="7" idx="1"/>
+          </p:cNvCxnSpPr>
+          <p:nvPr/>
+        </p:nvCxnSpPr>
+        <p:spPr>
+          <a:xfrm>
+            <a:off x="4891781" y="1967791"/>
+            <a:ext cx="756081" cy="0"/>
+          </a:xfrm>
+          <a:prstGeom prst="straightConnector1">
+            <a:avLst/>
+          </a:prstGeom>
+          <a:ln>
+            <a:tailEnd type="triangle"/>
+          </a:ln>
+        </p:spPr>
+        <p:style>
+          <a:lnRef idx="1">
+            <a:schemeClr val="accent1"/>
+          </a:lnRef>
+          <a:fillRef idx="0">
+            <a:schemeClr val="accent1"/>
+          </a:fillRef>
+          <a:effectRef idx="0">
+            <a:schemeClr val="accent1"/>
+          </a:effectRef>
+          <a:fontRef idx="minor">
+            <a:schemeClr val="tx1"/>
+          </a:fontRef>
+        </p:style>
+      </p:cxnSp>
+      <p:sp>
+        <p:nvSpPr>
+          <p:cNvPr id="16" name="Rectangle 15">
+            <a:extLst>
+              <a:ext uri="{FF2B5EF4-FFF2-40B4-BE49-F238E27FC236}">
+                <a16:creationId xmlns:a16="http://schemas.microsoft.com/office/drawing/2014/main" id="{736F0E92-1471-469C-A3E9-64E74F0F2D26}"/>
+              </a:ext>
+            </a:extLst>
+          </p:cNvPr>
+          <p:cNvSpPr/>
+          <p:nvPr/>
+        </p:nvSpPr>
+        <p:spPr>
+          <a:xfrm>
+            <a:off x="7636460" y="1510591"/>
+            <a:ext cx="1232515" cy="914400"/>
+          </a:xfrm>
+          <a:prstGeom prst="rect">
+            <a:avLst/>
+          </a:prstGeom>
+          <a:solidFill>
+            <a:schemeClr val="accent1">
+              <a:lumMod val="20000"/>
+              <a:lumOff val="80000"/>
+            </a:schemeClr>
+          </a:solidFill>
+        </p:spPr>
+        <p:style>
+          <a:lnRef idx="2">
+            <a:schemeClr val="accent1">
+              <a:shade val="50000"/>
+            </a:schemeClr>
+          </a:lnRef>
+          <a:fillRef idx="1">
+            <a:schemeClr val="accent1"/>
+          </a:fillRef>
+          <a:effectRef idx="0">
+            <a:schemeClr val="accent1"/>
+          </a:effectRef>
+          <a:fontRef idx="minor">
+            <a:schemeClr val="lt1"/>
+          </a:fontRef>
+        </p:style>
+        <p:txBody>
+          <a:bodyPr rtlCol="0" anchor="ctr"/>
+          <a:lstStyle/>
+          <a:p>
+            <a:pPr algn="ctr"/>
+            <a:r>
+              <a:rPr lang="en-US" dirty="0">
+                <a:solidFill>
+                  <a:schemeClr val="tx1"/>
+                </a:solidFill>
+              </a:rPr>
+              <a:t>View</a:t>
+            </a:r>
+          </a:p>
+        </p:txBody>
+      </p:sp>
+      <p:cxnSp>
+        <p:nvCxnSpPr>
+          <p:cNvPr id="19" name="Straight Arrow Connector 18">
+            <a:extLst>
+              <a:ext uri="{FF2B5EF4-FFF2-40B4-BE49-F238E27FC236}">
+                <a16:creationId xmlns:a16="http://schemas.microsoft.com/office/drawing/2014/main" id="{6AFA38BE-E325-49BF-AEDB-F12F3677DE74}"/>
+              </a:ext>
+            </a:extLst>
+          </p:cNvPr>
+          <p:cNvCxnSpPr>
+            <a:stCxn id="7" idx="3"/>
+            <a:endCxn id="16" idx="1"/>
+          </p:cNvCxnSpPr>
+          <p:nvPr/>
+        </p:nvCxnSpPr>
+        <p:spPr>
+          <a:xfrm>
+            <a:off x="6880379" y="1967791"/>
+            <a:ext cx="756081" cy="0"/>
+          </a:xfrm>
+          <a:prstGeom prst="straightConnector1">
+            <a:avLst/>
+          </a:prstGeom>
+          <a:ln>
+            <a:tailEnd type="triangle"/>
+          </a:ln>
+        </p:spPr>
+        <p:style>
+          <a:lnRef idx="1">
+            <a:schemeClr val="accent1"/>
+          </a:lnRef>
+          <a:fillRef idx="0">
+            <a:schemeClr val="accent1"/>
+          </a:fillRef>
+          <a:effectRef idx="0">
+            <a:schemeClr val="accent1"/>
+          </a:effectRef>
+          <a:fontRef idx="minor">
+            <a:schemeClr val="tx1"/>
+          </a:fontRef>
+        </p:style>
+      </p:cxnSp>
+      <p:sp>
+        <p:nvSpPr>
+          <p:cNvPr id="20" name="Rectangle 19">
+            <a:extLst>
+              <a:ext uri="{FF2B5EF4-FFF2-40B4-BE49-F238E27FC236}">
+                <a16:creationId xmlns:a16="http://schemas.microsoft.com/office/drawing/2014/main" id="{0516F2ED-7639-4269-BD3F-85890546B598}"/>
+              </a:ext>
+            </a:extLst>
+          </p:cNvPr>
+          <p:cNvSpPr/>
+          <p:nvPr/>
+        </p:nvSpPr>
+        <p:spPr>
+          <a:xfrm>
+            <a:off x="5647861" y="3004259"/>
+            <a:ext cx="1232517" cy="914400"/>
+          </a:xfrm>
+          <a:prstGeom prst="rect">
+            <a:avLst/>
+          </a:prstGeom>
+          <a:solidFill>
+            <a:schemeClr val="accent1">
+              <a:lumMod val="20000"/>
+              <a:lumOff val="80000"/>
+            </a:schemeClr>
+          </a:solidFill>
+        </p:spPr>
+        <p:style>
+          <a:lnRef idx="2">
+            <a:schemeClr val="accent1">
+              <a:shade val="50000"/>
+            </a:schemeClr>
+          </a:lnRef>
+          <a:fillRef idx="1">
+            <a:schemeClr val="accent1"/>
+          </a:fillRef>
+          <a:effectRef idx="0">
+            <a:schemeClr val="accent1"/>
+          </a:effectRef>
+          <a:fontRef idx="minor">
+            <a:schemeClr val="lt1"/>
+          </a:fontRef>
+        </p:style>
+        <p:txBody>
+          <a:bodyPr rtlCol="0" anchor="ctr"/>
+          <a:lstStyle/>
+          <a:p>
+            <a:pPr algn="ctr"/>
+            <a:r>
+              <a:rPr lang="en-US" dirty="0">
+                <a:solidFill>
+                  <a:schemeClr val="tx1"/>
+                </a:solidFill>
+              </a:rPr>
+              <a:t>Connect to DB and get the data</a:t>
+            </a:r>
+          </a:p>
+        </p:txBody>
+      </p:sp>
+      <p:cxnSp>
+        <p:nvCxnSpPr>
+          <p:cNvPr id="22" name="Straight Arrow Connector 21">
+            <a:extLst>
+              <a:ext uri="{FF2B5EF4-FFF2-40B4-BE49-F238E27FC236}">
+                <a16:creationId xmlns:a16="http://schemas.microsoft.com/office/drawing/2014/main" id="{09E1DEA9-909E-4FEA-9070-1EBE70E2A503}"/>
+              </a:ext>
+            </a:extLst>
+          </p:cNvPr>
+          <p:cNvCxnSpPr>
+            <a:stCxn id="7" idx="2"/>
+            <a:endCxn id="20" idx="0"/>
+          </p:cNvCxnSpPr>
+          <p:nvPr/>
+        </p:nvCxnSpPr>
+        <p:spPr>
+          <a:xfrm flipH="1">
+            <a:off x="6264120" y="2424991"/>
+            <a:ext cx="1" cy="579268"/>
+          </a:xfrm>
+          <a:prstGeom prst="straightConnector1">
+            <a:avLst/>
+          </a:prstGeom>
+          <a:ln>
+            <a:tailEnd type="triangle"/>
+          </a:ln>
+        </p:spPr>
+        <p:style>
+          <a:lnRef idx="1">
+            <a:schemeClr val="accent1"/>
+          </a:lnRef>
+          <a:fillRef idx="0">
+            <a:schemeClr val="accent1"/>
+          </a:fillRef>
+          <a:effectRef idx="0">
+            <a:schemeClr val="accent1"/>
+          </a:effectRef>
+          <a:fontRef idx="minor">
+            <a:schemeClr val="tx1"/>
+          </a:fontRef>
+        </p:style>
+      </p:cxnSp>
+      <p:sp>
+        <p:nvSpPr>
+          <p:cNvPr id="23" name="Rectangle 22">
+            <a:extLst>
+              <a:ext uri="{FF2B5EF4-FFF2-40B4-BE49-F238E27FC236}">
+                <a16:creationId xmlns:a16="http://schemas.microsoft.com/office/drawing/2014/main" id="{0B23BD67-30AA-462A-BF31-8DD529C71F09}"/>
+              </a:ext>
+            </a:extLst>
+          </p:cNvPr>
+          <p:cNvSpPr/>
+          <p:nvPr/>
+        </p:nvSpPr>
+        <p:spPr>
+          <a:xfrm>
+            <a:off x="5647860" y="4644408"/>
+            <a:ext cx="1232517" cy="914400"/>
+          </a:xfrm>
+          <a:prstGeom prst="rect">
+            <a:avLst/>
+          </a:prstGeom>
+          <a:solidFill>
+            <a:schemeClr val="accent1">
+              <a:lumMod val="20000"/>
+              <a:lumOff val="80000"/>
+            </a:schemeClr>
+          </a:solidFill>
+        </p:spPr>
+        <p:style>
+          <a:lnRef idx="2">
+            <a:schemeClr val="accent1">
+              <a:shade val="50000"/>
+            </a:schemeClr>
+          </a:lnRef>
+          <a:fillRef idx="1">
+            <a:schemeClr val="accent1"/>
+          </a:fillRef>
+          <a:effectRef idx="0">
+            <a:schemeClr val="accent1"/>
+          </a:effectRef>
+          <a:fontRef idx="minor">
+            <a:schemeClr val="lt1"/>
+          </a:fontRef>
+        </p:style>
+        <p:txBody>
+          <a:bodyPr rtlCol="0" anchor="ctr"/>
+          <a:lstStyle/>
+          <a:p>
+            <a:pPr algn="ctr"/>
+            <a:r>
+              <a:rPr lang="en-US" dirty="0">
+                <a:solidFill>
+                  <a:schemeClr val="tx1"/>
+                </a:solidFill>
+              </a:rPr>
+              <a:t>SQL DB</a:t>
+            </a:r>
+          </a:p>
+        </p:txBody>
+      </p:sp>
+      <p:cxnSp>
+        <p:nvCxnSpPr>
+          <p:cNvPr id="25" name="Straight Arrow Connector 24">
+            <a:extLst>
+              <a:ext uri="{FF2B5EF4-FFF2-40B4-BE49-F238E27FC236}">
+                <a16:creationId xmlns:a16="http://schemas.microsoft.com/office/drawing/2014/main" id="{6AAAD4D4-3432-4CBE-9470-035D140CA692}"/>
+              </a:ext>
+            </a:extLst>
+          </p:cNvPr>
+          <p:cNvCxnSpPr>
+            <a:cxnSpLocks/>
+            <a:stCxn id="20" idx="2"/>
+            <a:endCxn id="23" idx="0"/>
+          </p:cNvCxnSpPr>
+          <p:nvPr/>
+        </p:nvCxnSpPr>
+        <p:spPr>
+          <a:xfrm flipH="1">
+            <a:off x="6264119" y="3918659"/>
+            <a:ext cx="1" cy="725749"/>
+          </a:xfrm>
+          <a:prstGeom prst="straightConnector1">
+            <a:avLst/>
+          </a:prstGeom>
+          <a:ln>
+            <a:tailEnd type="triangle"/>
+          </a:ln>
+        </p:spPr>
+        <p:style>
+          <a:lnRef idx="1">
+            <a:schemeClr val="accent1"/>
+          </a:lnRef>
+          <a:fillRef idx="0">
+            <a:schemeClr val="accent1"/>
+          </a:fillRef>
+          <a:effectRef idx="0">
+            <a:schemeClr val="accent1"/>
+          </a:effectRef>
+          <a:fontRef idx="minor">
+            <a:schemeClr val="tx1"/>
+          </a:fontRef>
+        </p:style>
+      </p:cxnSp>
     </p:spTree>
     <p:extLst>
       <p:ext uri="{BB962C8B-B14F-4D97-AF65-F5344CB8AC3E}">
@@ -3892,6 +4289,4660 @@
 </file>
 
 <file path=ppt/slides/slide6.xml><?xml version="1.0" encoding="utf-8"?>
+<p:sld xmlns:a="http://schemas.openxmlformats.org/drawingml/2006/main" xmlns:r="http://schemas.openxmlformats.org/officeDocument/2006/relationships" xmlns:p="http://schemas.openxmlformats.org/presentationml/2006/main">
+  <p:cSld>
+    <p:spTree>
+      <p:nvGrpSpPr>
+        <p:cNvPr id="1" name=""/>
+        <p:cNvGrpSpPr/>
+        <p:nvPr/>
+      </p:nvGrpSpPr>
+      <p:grpSpPr>
+        <a:xfrm>
+          <a:off x="0" y="0"/>
+          <a:ext cx="0" cy="0"/>
+          <a:chOff x="0" y="0"/>
+          <a:chExt cx="0" cy="0"/>
+        </a:xfrm>
+      </p:grpSpPr>
+      <p:sp>
+        <p:nvSpPr>
+          <p:cNvPr id="3" name="Rectangle 2">
+            <a:extLst>
+              <a:ext uri="{FF2B5EF4-FFF2-40B4-BE49-F238E27FC236}">
+                <a16:creationId xmlns:a16="http://schemas.microsoft.com/office/drawing/2014/main" id="{52375A82-C1EB-4D7C-8A3D-AE940E544894}"/>
+              </a:ext>
+            </a:extLst>
+          </p:cNvPr>
+          <p:cNvSpPr/>
+          <p:nvPr/>
+        </p:nvSpPr>
+        <p:spPr>
+          <a:xfrm>
+            <a:off x="2432481" y="324952"/>
+            <a:ext cx="1345603" cy="463506"/>
+          </a:xfrm>
+          <a:prstGeom prst="rect">
+            <a:avLst/>
+          </a:prstGeom>
+          <a:solidFill>
+            <a:schemeClr val="accent1">
+              <a:lumMod val="20000"/>
+              <a:lumOff val="80000"/>
+            </a:schemeClr>
+          </a:solidFill>
+        </p:spPr>
+        <p:style>
+          <a:lnRef idx="2">
+            <a:schemeClr val="accent1">
+              <a:shade val="50000"/>
+            </a:schemeClr>
+          </a:lnRef>
+          <a:fillRef idx="1">
+            <a:schemeClr val="accent1"/>
+          </a:fillRef>
+          <a:effectRef idx="0">
+            <a:schemeClr val="accent1"/>
+          </a:effectRef>
+          <a:fontRef idx="minor">
+            <a:schemeClr val="lt1"/>
+          </a:fontRef>
+        </p:style>
+        <p:txBody>
+          <a:bodyPr rtlCol="0" anchor="ctr"/>
+          <a:lstStyle/>
+          <a:p>
+            <a:pPr algn="ctr"/>
+            <a:r>
+              <a:rPr lang="en-US" dirty="0">
+                <a:solidFill>
+                  <a:schemeClr val="tx1"/>
+                </a:solidFill>
+              </a:rPr>
+              <a:t>UI- MVC</a:t>
+            </a:r>
+          </a:p>
+        </p:txBody>
+      </p:sp>
+      <p:sp>
+        <p:nvSpPr>
+          <p:cNvPr id="7" name="Rectangle 6">
+            <a:extLst>
+              <a:ext uri="{FF2B5EF4-FFF2-40B4-BE49-F238E27FC236}">
+                <a16:creationId xmlns:a16="http://schemas.microsoft.com/office/drawing/2014/main" id="{4C204792-5D71-4888-B40C-51DFB0204CAC}"/>
+              </a:ext>
+            </a:extLst>
+          </p:cNvPr>
+          <p:cNvSpPr/>
+          <p:nvPr/>
+        </p:nvSpPr>
+        <p:spPr>
+          <a:xfrm>
+            <a:off x="4245005" y="324952"/>
+            <a:ext cx="1569872" cy="463506"/>
+          </a:xfrm>
+          <a:prstGeom prst="rect">
+            <a:avLst/>
+          </a:prstGeom>
+          <a:solidFill>
+            <a:schemeClr val="accent1">
+              <a:lumMod val="20000"/>
+              <a:lumOff val="80000"/>
+            </a:schemeClr>
+          </a:solidFill>
+        </p:spPr>
+        <p:style>
+          <a:lnRef idx="2">
+            <a:schemeClr val="accent1">
+              <a:shade val="50000"/>
+            </a:schemeClr>
+          </a:lnRef>
+          <a:fillRef idx="1">
+            <a:schemeClr val="accent1"/>
+          </a:fillRef>
+          <a:effectRef idx="0">
+            <a:schemeClr val="accent1"/>
+          </a:effectRef>
+          <a:fontRef idx="minor">
+            <a:schemeClr val="lt1"/>
+          </a:fontRef>
+        </p:style>
+        <p:txBody>
+          <a:bodyPr rtlCol="0" anchor="ctr"/>
+          <a:lstStyle/>
+          <a:p>
+            <a:pPr algn="ctr"/>
+            <a:r>
+              <a:rPr lang="en-US" dirty="0">
+                <a:solidFill>
+                  <a:schemeClr val="tx1"/>
+                </a:solidFill>
+              </a:rPr>
+              <a:t>Controller</a:t>
+            </a:r>
+          </a:p>
+        </p:txBody>
+      </p:sp>
+      <p:cxnSp>
+        <p:nvCxnSpPr>
+          <p:cNvPr id="9" name="Straight Arrow Connector 8">
+            <a:extLst>
+              <a:ext uri="{FF2B5EF4-FFF2-40B4-BE49-F238E27FC236}">
+                <a16:creationId xmlns:a16="http://schemas.microsoft.com/office/drawing/2014/main" id="{45D33934-C83B-4EB1-9F76-ACD0305F17E1}"/>
+              </a:ext>
+            </a:extLst>
+          </p:cNvPr>
+          <p:cNvCxnSpPr>
+            <a:cxnSpLocks/>
+            <a:stCxn id="3" idx="3"/>
+            <a:endCxn id="7" idx="1"/>
+          </p:cNvCxnSpPr>
+          <p:nvPr/>
+        </p:nvCxnSpPr>
+        <p:spPr>
+          <a:xfrm>
+            <a:off x="3778084" y="556705"/>
+            <a:ext cx="466921" cy="0"/>
+          </a:xfrm>
+          <a:prstGeom prst="straightConnector1">
+            <a:avLst/>
+          </a:prstGeom>
+          <a:ln>
+            <a:tailEnd type="triangle"/>
+          </a:ln>
+        </p:spPr>
+        <p:style>
+          <a:lnRef idx="1">
+            <a:schemeClr val="accent1"/>
+          </a:lnRef>
+          <a:fillRef idx="0">
+            <a:schemeClr val="accent1"/>
+          </a:fillRef>
+          <a:effectRef idx="0">
+            <a:schemeClr val="accent1"/>
+          </a:effectRef>
+          <a:fontRef idx="minor">
+            <a:schemeClr val="tx1"/>
+          </a:fontRef>
+        </p:style>
+      </p:cxnSp>
+      <p:sp>
+        <p:nvSpPr>
+          <p:cNvPr id="16" name="Rectangle 15">
+            <a:extLst>
+              <a:ext uri="{FF2B5EF4-FFF2-40B4-BE49-F238E27FC236}">
+                <a16:creationId xmlns:a16="http://schemas.microsoft.com/office/drawing/2014/main" id="{736F0E92-1471-469C-A3E9-64E74F0F2D26}"/>
+              </a:ext>
+            </a:extLst>
+          </p:cNvPr>
+          <p:cNvSpPr/>
+          <p:nvPr/>
+        </p:nvSpPr>
+        <p:spPr>
+          <a:xfrm>
+            <a:off x="6233603" y="324952"/>
+            <a:ext cx="1569869" cy="463506"/>
+          </a:xfrm>
+          <a:prstGeom prst="rect">
+            <a:avLst/>
+          </a:prstGeom>
+          <a:solidFill>
+            <a:schemeClr val="accent1">
+              <a:lumMod val="20000"/>
+              <a:lumOff val="80000"/>
+            </a:schemeClr>
+          </a:solidFill>
+        </p:spPr>
+        <p:style>
+          <a:lnRef idx="2">
+            <a:schemeClr val="accent1">
+              <a:shade val="50000"/>
+            </a:schemeClr>
+          </a:lnRef>
+          <a:fillRef idx="1">
+            <a:schemeClr val="accent1"/>
+          </a:fillRef>
+          <a:effectRef idx="0">
+            <a:schemeClr val="accent1"/>
+          </a:effectRef>
+          <a:fontRef idx="minor">
+            <a:schemeClr val="lt1"/>
+          </a:fontRef>
+        </p:style>
+        <p:txBody>
+          <a:bodyPr rtlCol="0" anchor="ctr"/>
+          <a:lstStyle/>
+          <a:p>
+            <a:pPr algn="ctr"/>
+            <a:r>
+              <a:rPr lang="en-US" dirty="0">
+                <a:solidFill>
+                  <a:schemeClr val="tx1"/>
+                </a:solidFill>
+              </a:rPr>
+              <a:t>View</a:t>
+            </a:r>
+          </a:p>
+        </p:txBody>
+      </p:sp>
+      <p:cxnSp>
+        <p:nvCxnSpPr>
+          <p:cNvPr id="19" name="Straight Arrow Connector 18">
+            <a:extLst>
+              <a:ext uri="{FF2B5EF4-FFF2-40B4-BE49-F238E27FC236}">
+                <a16:creationId xmlns:a16="http://schemas.microsoft.com/office/drawing/2014/main" id="{6AFA38BE-E325-49BF-AEDB-F12F3677DE74}"/>
+              </a:ext>
+            </a:extLst>
+          </p:cNvPr>
+          <p:cNvCxnSpPr>
+            <a:cxnSpLocks/>
+            <a:stCxn id="7" idx="3"/>
+            <a:endCxn id="16" idx="1"/>
+          </p:cNvCxnSpPr>
+          <p:nvPr/>
+        </p:nvCxnSpPr>
+        <p:spPr>
+          <a:xfrm>
+            <a:off x="5814877" y="556705"/>
+            <a:ext cx="418726" cy="0"/>
+          </a:xfrm>
+          <a:prstGeom prst="straightConnector1">
+            <a:avLst/>
+          </a:prstGeom>
+          <a:ln>
+            <a:tailEnd type="triangle"/>
+          </a:ln>
+        </p:spPr>
+        <p:style>
+          <a:lnRef idx="1">
+            <a:schemeClr val="accent1"/>
+          </a:lnRef>
+          <a:fillRef idx="0">
+            <a:schemeClr val="accent1"/>
+          </a:fillRef>
+          <a:effectRef idx="0">
+            <a:schemeClr val="accent1"/>
+          </a:effectRef>
+          <a:fontRef idx="minor">
+            <a:schemeClr val="tx1"/>
+          </a:fontRef>
+        </p:style>
+      </p:cxnSp>
+      <p:sp>
+        <p:nvSpPr>
+          <p:cNvPr id="20" name="Rectangle 19">
+            <a:extLst>
+              <a:ext uri="{FF2B5EF4-FFF2-40B4-BE49-F238E27FC236}">
+                <a16:creationId xmlns:a16="http://schemas.microsoft.com/office/drawing/2014/main" id="{0516F2ED-7639-4269-BD3F-85890546B598}"/>
+              </a:ext>
+            </a:extLst>
+          </p:cNvPr>
+          <p:cNvSpPr/>
+          <p:nvPr/>
+        </p:nvSpPr>
+        <p:spPr>
+          <a:xfrm>
+            <a:off x="2156533" y="1256345"/>
+            <a:ext cx="5760720" cy="457200"/>
+          </a:xfrm>
+          <a:prstGeom prst="rect">
+            <a:avLst/>
+          </a:prstGeom>
+          <a:solidFill>
+            <a:schemeClr val="accent1">
+              <a:lumMod val="20000"/>
+              <a:lumOff val="80000"/>
+            </a:schemeClr>
+          </a:solidFill>
+        </p:spPr>
+        <p:style>
+          <a:lnRef idx="2">
+            <a:schemeClr val="accent1">
+              <a:shade val="50000"/>
+            </a:schemeClr>
+          </a:lnRef>
+          <a:fillRef idx="1">
+            <a:schemeClr val="accent1"/>
+          </a:fillRef>
+          <a:effectRef idx="0">
+            <a:schemeClr val="accent1"/>
+          </a:effectRef>
+          <a:fontRef idx="minor">
+            <a:schemeClr val="lt1"/>
+          </a:fontRef>
+        </p:style>
+        <p:txBody>
+          <a:bodyPr rtlCol="0" anchor="ctr"/>
+          <a:lstStyle/>
+          <a:p>
+            <a:r>
+              <a:rPr lang="en-US" sz="1200" dirty="0">
+                <a:solidFill>
+                  <a:schemeClr val="tx1"/>
+                </a:solidFill>
+              </a:rPr>
+              <a:t>Service Locator - Query</a:t>
+            </a:r>
+          </a:p>
+          <a:p>
+            <a:r>
+              <a:rPr lang="en-US" sz="1200" dirty="0">
+                <a:solidFill>
+                  <a:schemeClr val="tx1"/>
+                </a:solidFill>
+              </a:rPr>
+              <a:t> </a:t>
+            </a:r>
+            <a:r>
+              <a:rPr lang="en-US" sz="1200" dirty="0" err="1">
+                <a:solidFill>
+                  <a:schemeClr val="tx1"/>
+                </a:solidFill>
+              </a:rPr>
+              <a:t>ViewBag.Model</a:t>
+            </a:r>
+            <a:r>
+              <a:rPr lang="en-US" sz="1200" dirty="0">
+                <a:solidFill>
+                  <a:schemeClr val="tx1"/>
+                </a:solidFill>
+              </a:rPr>
+              <a:t> = </a:t>
+            </a:r>
+            <a:r>
+              <a:rPr lang="en-US" sz="1200" dirty="0" err="1">
+                <a:solidFill>
+                  <a:schemeClr val="tx1"/>
+                </a:solidFill>
+              </a:rPr>
+              <a:t>ServiceLocator.ReportDatabase.</a:t>
+            </a:r>
+            <a:r>
+              <a:rPr lang="en-US" sz="1200" b="1" dirty="0" err="1">
+                <a:solidFill>
+                  <a:schemeClr val="tx1"/>
+                </a:solidFill>
+              </a:rPr>
+              <a:t>GetItems</a:t>
+            </a:r>
+            <a:r>
+              <a:rPr lang="en-US" sz="1200" dirty="0">
+                <a:solidFill>
+                  <a:schemeClr val="tx1"/>
+                </a:solidFill>
+              </a:rPr>
+              <a:t>();</a:t>
+            </a:r>
+          </a:p>
+        </p:txBody>
+      </p:sp>
+      <p:cxnSp>
+        <p:nvCxnSpPr>
+          <p:cNvPr id="22" name="Straight Arrow Connector 21">
+            <a:extLst>
+              <a:ext uri="{FF2B5EF4-FFF2-40B4-BE49-F238E27FC236}">
+                <a16:creationId xmlns:a16="http://schemas.microsoft.com/office/drawing/2014/main" id="{09E1DEA9-909E-4FEA-9070-1EBE70E2A503}"/>
+              </a:ext>
+            </a:extLst>
+          </p:cNvPr>
+          <p:cNvCxnSpPr>
+            <a:cxnSpLocks/>
+            <a:stCxn id="7" idx="2"/>
+            <a:endCxn id="20" idx="0"/>
+          </p:cNvCxnSpPr>
+          <p:nvPr/>
+        </p:nvCxnSpPr>
+        <p:spPr>
+          <a:xfrm>
+            <a:off x="5029941" y="788458"/>
+            <a:ext cx="6952" cy="467887"/>
+          </a:xfrm>
+          <a:prstGeom prst="straightConnector1">
+            <a:avLst/>
+          </a:prstGeom>
+          <a:ln>
+            <a:tailEnd type="triangle"/>
+          </a:ln>
+        </p:spPr>
+        <p:style>
+          <a:lnRef idx="1">
+            <a:schemeClr val="accent1"/>
+          </a:lnRef>
+          <a:fillRef idx="0">
+            <a:schemeClr val="accent1"/>
+          </a:fillRef>
+          <a:effectRef idx="0">
+            <a:schemeClr val="accent1"/>
+          </a:effectRef>
+          <a:fontRef idx="minor">
+            <a:schemeClr val="tx1"/>
+          </a:fontRef>
+        </p:style>
+      </p:cxnSp>
+      <p:sp>
+        <p:nvSpPr>
+          <p:cNvPr id="12" name="Rectangle 11">
+            <a:extLst>
+              <a:ext uri="{FF2B5EF4-FFF2-40B4-BE49-F238E27FC236}">
+                <a16:creationId xmlns:a16="http://schemas.microsoft.com/office/drawing/2014/main" id="{AEBE05C6-3B71-4F06-8DAD-4B2CE1A02931}"/>
+              </a:ext>
+            </a:extLst>
+          </p:cNvPr>
+          <p:cNvSpPr/>
+          <p:nvPr/>
+        </p:nvSpPr>
+        <p:spPr>
+          <a:xfrm>
+            <a:off x="2149581" y="1907389"/>
+            <a:ext cx="5760720" cy="457200"/>
+          </a:xfrm>
+          <a:prstGeom prst="rect">
+            <a:avLst/>
+          </a:prstGeom>
+          <a:solidFill>
+            <a:schemeClr val="accent1">
+              <a:lumMod val="20000"/>
+              <a:lumOff val="80000"/>
+            </a:schemeClr>
+          </a:solidFill>
+        </p:spPr>
+        <p:style>
+          <a:lnRef idx="2">
+            <a:schemeClr val="accent1">
+              <a:shade val="50000"/>
+            </a:schemeClr>
+          </a:lnRef>
+          <a:fillRef idx="1">
+            <a:schemeClr val="accent1"/>
+          </a:fillRef>
+          <a:effectRef idx="0">
+            <a:schemeClr val="accent1"/>
+          </a:effectRef>
+          <a:fontRef idx="minor">
+            <a:schemeClr val="lt1"/>
+          </a:fontRef>
+        </p:style>
+        <p:txBody>
+          <a:bodyPr rtlCol="0" anchor="ctr"/>
+          <a:lstStyle/>
+          <a:p>
+            <a:r>
+              <a:rPr lang="en-US" sz="1200" dirty="0">
+                <a:solidFill>
+                  <a:schemeClr val="tx1"/>
+                </a:solidFill>
+              </a:rPr>
+              <a:t>Service Locator will manage all dependencies</a:t>
+            </a:r>
+          </a:p>
+        </p:txBody>
+      </p:sp>
+      <p:sp>
+        <p:nvSpPr>
+          <p:cNvPr id="18" name="Rectangle 17">
+            <a:extLst>
+              <a:ext uri="{FF2B5EF4-FFF2-40B4-BE49-F238E27FC236}">
+                <a16:creationId xmlns:a16="http://schemas.microsoft.com/office/drawing/2014/main" id="{6BE0D050-720F-4C6B-90A3-0F259D6EB952}"/>
+              </a:ext>
+            </a:extLst>
+          </p:cNvPr>
+          <p:cNvSpPr/>
+          <p:nvPr/>
+        </p:nvSpPr>
+        <p:spPr>
+          <a:xfrm>
+            <a:off x="2131082" y="2518648"/>
+            <a:ext cx="5760720" cy="457200"/>
+          </a:xfrm>
+          <a:prstGeom prst="rect">
+            <a:avLst/>
+          </a:prstGeom>
+          <a:solidFill>
+            <a:schemeClr val="accent1">
+              <a:lumMod val="20000"/>
+              <a:lumOff val="80000"/>
+            </a:schemeClr>
+          </a:solidFill>
+        </p:spPr>
+        <p:style>
+          <a:lnRef idx="2">
+            <a:schemeClr val="accent1">
+              <a:shade val="50000"/>
+            </a:schemeClr>
+          </a:lnRef>
+          <a:fillRef idx="1">
+            <a:schemeClr val="accent1"/>
+          </a:fillRef>
+          <a:effectRef idx="0">
+            <a:schemeClr val="accent1"/>
+          </a:effectRef>
+          <a:fontRef idx="minor">
+            <a:schemeClr val="lt1"/>
+          </a:fontRef>
+        </p:style>
+        <p:txBody>
+          <a:bodyPr rtlCol="0" anchor="ctr"/>
+          <a:lstStyle/>
+          <a:p>
+            <a:r>
+              <a:rPr lang="en-US" sz="1200" dirty="0">
+                <a:solidFill>
+                  <a:schemeClr val="tx1"/>
+                </a:solidFill>
+              </a:rPr>
+              <a:t>private static  </a:t>
+            </a:r>
+            <a:r>
+              <a:rPr lang="en-US" sz="1200" dirty="0" err="1">
+                <a:solidFill>
+                  <a:schemeClr val="tx1"/>
+                </a:solidFill>
+              </a:rPr>
+              <a:t>IReportDatabase</a:t>
+            </a:r>
+            <a:r>
+              <a:rPr lang="en-US" sz="1200" dirty="0">
+                <a:solidFill>
+                  <a:schemeClr val="tx1"/>
+                </a:solidFill>
+              </a:rPr>
+              <a:t> _</a:t>
+            </a:r>
+            <a:r>
+              <a:rPr lang="en-US" sz="1200" dirty="0" err="1">
+                <a:solidFill>
+                  <a:schemeClr val="tx1"/>
+                </a:solidFill>
+              </a:rPr>
+              <a:t>reportDatabase</a:t>
+            </a:r>
+            <a:r>
+              <a:rPr lang="en-US" sz="1200" dirty="0">
+                <a:solidFill>
+                  <a:schemeClr val="tx1"/>
+                </a:solidFill>
+              </a:rPr>
+              <a:t>;</a:t>
+            </a:r>
+          </a:p>
+        </p:txBody>
+      </p:sp>
+      <p:sp>
+        <p:nvSpPr>
+          <p:cNvPr id="21" name="Rectangle 20">
+            <a:extLst>
+              <a:ext uri="{FF2B5EF4-FFF2-40B4-BE49-F238E27FC236}">
+                <a16:creationId xmlns:a16="http://schemas.microsoft.com/office/drawing/2014/main" id="{8AFA44B5-07FC-4397-94D5-8DA126ADC75E}"/>
+              </a:ext>
+            </a:extLst>
+          </p:cNvPr>
+          <p:cNvSpPr/>
+          <p:nvPr/>
+        </p:nvSpPr>
+        <p:spPr>
+          <a:xfrm>
+            <a:off x="2149581" y="3128856"/>
+            <a:ext cx="5760720" cy="457200"/>
+          </a:xfrm>
+          <a:prstGeom prst="rect">
+            <a:avLst/>
+          </a:prstGeom>
+          <a:solidFill>
+            <a:schemeClr val="accent1">
+              <a:lumMod val="20000"/>
+              <a:lumOff val="80000"/>
+            </a:schemeClr>
+          </a:solidFill>
+        </p:spPr>
+        <p:style>
+          <a:lnRef idx="2">
+            <a:schemeClr val="accent1">
+              <a:shade val="50000"/>
+            </a:schemeClr>
+          </a:lnRef>
+          <a:fillRef idx="1">
+            <a:schemeClr val="accent1"/>
+          </a:fillRef>
+          <a:effectRef idx="0">
+            <a:schemeClr val="accent1"/>
+          </a:effectRef>
+          <a:fontRef idx="minor">
+            <a:schemeClr val="lt1"/>
+          </a:fontRef>
+        </p:style>
+        <p:txBody>
+          <a:bodyPr rtlCol="0" anchor="ctr"/>
+          <a:lstStyle/>
+          <a:p>
+            <a:r>
+              <a:rPr lang="en-US" sz="1200" dirty="0">
+                <a:solidFill>
+                  <a:schemeClr val="tx1"/>
+                </a:solidFill>
+              </a:rPr>
+              <a:t> </a:t>
+            </a:r>
+            <a:r>
+              <a:rPr lang="en-US" sz="1200" dirty="0" err="1">
+                <a:solidFill>
+                  <a:schemeClr val="tx1"/>
+                </a:solidFill>
+              </a:rPr>
+              <a:t>x.For</a:t>
+            </a:r>
+            <a:r>
+              <a:rPr lang="en-US" sz="1200" dirty="0">
+                <a:solidFill>
+                  <a:schemeClr val="tx1"/>
+                </a:solidFill>
+              </a:rPr>
+              <a:t>&lt;</a:t>
+            </a:r>
+            <a:r>
+              <a:rPr lang="en-US" sz="1200" dirty="0" err="1">
+                <a:solidFill>
+                  <a:schemeClr val="tx1"/>
+                </a:solidFill>
+              </a:rPr>
+              <a:t>IReportDatabase</a:t>
+            </a:r>
+            <a:r>
+              <a:rPr lang="en-US" sz="1200" dirty="0">
+                <a:solidFill>
+                  <a:schemeClr val="tx1"/>
+                </a:solidFill>
+              </a:rPr>
+              <a:t>&gt;().Use&lt;</a:t>
+            </a:r>
+            <a:r>
+              <a:rPr lang="en-US" sz="1200" dirty="0" err="1">
+                <a:solidFill>
+                  <a:schemeClr val="tx1"/>
+                </a:solidFill>
+              </a:rPr>
+              <a:t>ReportDatabase</a:t>
+            </a:r>
+            <a:r>
+              <a:rPr lang="en-US" sz="1200" dirty="0">
+                <a:solidFill>
+                  <a:schemeClr val="tx1"/>
+                </a:solidFill>
+              </a:rPr>
+              <a:t>&gt;();</a:t>
+            </a:r>
+          </a:p>
+        </p:txBody>
+      </p:sp>
+      <p:sp>
+        <p:nvSpPr>
+          <p:cNvPr id="24" name="Rectangle 23">
+            <a:extLst>
+              <a:ext uri="{FF2B5EF4-FFF2-40B4-BE49-F238E27FC236}">
+                <a16:creationId xmlns:a16="http://schemas.microsoft.com/office/drawing/2014/main" id="{815BB881-1E0B-49E4-9ED7-967E97BAD841}"/>
+              </a:ext>
+            </a:extLst>
+          </p:cNvPr>
+          <p:cNvSpPr/>
+          <p:nvPr/>
+        </p:nvSpPr>
+        <p:spPr>
+          <a:xfrm>
+            <a:off x="2156532" y="3648238"/>
+            <a:ext cx="5735269" cy="1404169"/>
+          </a:xfrm>
+          <a:prstGeom prst="rect">
+            <a:avLst/>
+          </a:prstGeom>
+          <a:solidFill>
+            <a:schemeClr val="accent1">
+              <a:lumMod val="20000"/>
+              <a:lumOff val="80000"/>
+            </a:schemeClr>
+          </a:solidFill>
+        </p:spPr>
+        <p:style>
+          <a:lnRef idx="2">
+            <a:schemeClr val="accent1">
+              <a:shade val="50000"/>
+            </a:schemeClr>
+          </a:lnRef>
+          <a:fillRef idx="1">
+            <a:schemeClr val="accent1"/>
+          </a:fillRef>
+          <a:effectRef idx="0">
+            <a:schemeClr val="accent1"/>
+          </a:effectRef>
+          <a:fontRef idx="minor">
+            <a:schemeClr val="lt1"/>
+          </a:fontRef>
+        </p:style>
+        <p:txBody>
+          <a:bodyPr rtlCol="0" anchor="ctr"/>
+          <a:lstStyle/>
+          <a:p>
+            <a:r>
+              <a:rPr lang="en-US" sz="1200" dirty="0">
+                <a:solidFill>
+                  <a:schemeClr val="tx1"/>
+                </a:solidFill>
+              </a:rPr>
+              <a:t> public interface </a:t>
+            </a:r>
+            <a:r>
+              <a:rPr lang="en-US" sz="1200" dirty="0" err="1">
+                <a:solidFill>
+                  <a:schemeClr val="tx1"/>
+                </a:solidFill>
+              </a:rPr>
+              <a:t>IReportDatabase</a:t>
+            </a:r>
+            <a:endParaRPr lang="en-US" sz="1200" dirty="0">
+              <a:solidFill>
+                <a:schemeClr val="tx1"/>
+              </a:solidFill>
+            </a:endParaRPr>
+          </a:p>
+          <a:p>
+            <a:r>
+              <a:rPr lang="en-US" sz="1200" dirty="0">
+                <a:solidFill>
+                  <a:schemeClr val="tx1"/>
+                </a:solidFill>
+              </a:rPr>
+              <a:t>    {</a:t>
+            </a:r>
+          </a:p>
+          <a:p>
+            <a:r>
+              <a:rPr lang="en-US" sz="1200" dirty="0">
+                <a:solidFill>
+                  <a:schemeClr val="tx1"/>
+                </a:solidFill>
+              </a:rPr>
+              <a:t>        </a:t>
+            </a:r>
+            <a:r>
+              <a:rPr lang="en-US" sz="1200" dirty="0" err="1">
+                <a:solidFill>
+                  <a:schemeClr val="tx1"/>
+                </a:solidFill>
+              </a:rPr>
+              <a:t>DiaryItemDto</a:t>
+            </a:r>
+            <a:r>
+              <a:rPr lang="en-US" sz="1200" dirty="0">
+                <a:solidFill>
+                  <a:schemeClr val="tx1"/>
+                </a:solidFill>
+              </a:rPr>
+              <a:t> </a:t>
+            </a:r>
+            <a:r>
+              <a:rPr lang="en-US" sz="1200" dirty="0" err="1">
+                <a:solidFill>
+                  <a:schemeClr val="tx1"/>
+                </a:solidFill>
+              </a:rPr>
+              <a:t>GetById</a:t>
+            </a:r>
+            <a:r>
+              <a:rPr lang="en-US" sz="1200" dirty="0">
+                <a:solidFill>
+                  <a:schemeClr val="tx1"/>
+                </a:solidFill>
+              </a:rPr>
+              <a:t>(</a:t>
+            </a:r>
+            <a:r>
+              <a:rPr lang="en-US" sz="1200" dirty="0" err="1">
+                <a:solidFill>
+                  <a:schemeClr val="tx1"/>
+                </a:solidFill>
+              </a:rPr>
+              <a:t>Guid</a:t>
+            </a:r>
+            <a:r>
+              <a:rPr lang="en-US" sz="1200" dirty="0">
+                <a:solidFill>
+                  <a:schemeClr val="tx1"/>
+                </a:solidFill>
+              </a:rPr>
+              <a:t> id);</a:t>
+            </a:r>
+          </a:p>
+          <a:p>
+            <a:r>
+              <a:rPr lang="en-US" sz="1200" dirty="0">
+                <a:solidFill>
+                  <a:schemeClr val="tx1"/>
+                </a:solidFill>
+              </a:rPr>
+              <a:t>        void Add(</a:t>
+            </a:r>
+            <a:r>
+              <a:rPr lang="en-US" sz="1200" dirty="0" err="1">
+                <a:solidFill>
+                  <a:schemeClr val="tx1"/>
+                </a:solidFill>
+              </a:rPr>
+              <a:t>DiaryItemDto</a:t>
+            </a:r>
+            <a:r>
+              <a:rPr lang="en-US" sz="1200" dirty="0">
+                <a:solidFill>
+                  <a:schemeClr val="tx1"/>
+                </a:solidFill>
+              </a:rPr>
+              <a:t> item);</a:t>
+            </a:r>
+          </a:p>
+          <a:p>
+            <a:r>
+              <a:rPr lang="en-US" sz="1200" dirty="0">
+                <a:solidFill>
+                  <a:schemeClr val="tx1"/>
+                </a:solidFill>
+              </a:rPr>
+              <a:t>        void Delete(</a:t>
+            </a:r>
+            <a:r>
+              <a:rPr lang="en-US" sz="1200" dirty="0" err="1">
+                <a:solidFill>
+                  <a:schemeClr val="tx1"/>
+                </a:solidFill>
+              </a:rPr>
+              <a:t>Guid</a:t>
+            </a:r>
+            <a:r>
+              <a:rPr lang="en-US" sz="1200" dirty="0">
+                <a:solidFill>
+                  <a:schemeClr val="tx1"/>
+                </a:solidFill>
+              </a:rPr>
+              <a:t> id);</a:t>
+            </a:r>
+          </a:p>
+          <a:p>
+            <a:r>
+              <a:rPr lang="en-US" sz="1200" dirty="0">
+                <a:solidFill>
+                  <a:schemeClr val="tx1"/>
+                </a:solidFill>
+              </a:rPr>
+              <a:t>        List&lt;</a:t>
+            </a:r>
+            <a:r>
+              <a:rPr lang="en-US" sz="1200" dirty="0" err="1">
+                <a:solidFill>
+                  <a:schemeClr val="tx1"/>
+                </a:solidFill>
+              </a:rPr>
+              <a:t>DiaryItemDto</a:t>
+            </a:r>
+            <a:r>
+              <a:rPr lang="en-US" sz="1200" dirty="0">
+                <a:solidFill>
+                  <a:schemeClr val="tx1"/>
+                </a:solidFill>
+              </a:rPr>
+              <a:t>&gt; </a:t>
+            </a:r>
+            <a:r>
+              <a:rPr lang="en-US" sz="1200" b="1" dirty="0" err="1">
+                <a:solidFill>
+                  <a:schemeClr val="tx1"/>
+                </a:solidFill>
+              </a:rPr>
+              <a:t>GetItems</a:t>
+            </a:r>
+            <a:r>
+              <a:rPr lang="en-US" sz="1200" dirty="0">
+                <a:solidFill>
+                  <a:schemeClr val="tx1"/>
+                </a:solidFill>
+              </a:rPr>
+              <a:t>();</a:t>
+            </a:r>
+          </a:p>
+          <a:p>
+            <a:r>
+              <a:rPr lang="en-US" sz="1200" dirty="0">
+                <a:solidFill>
+                  <a:schemeClr val="tx1"/>
+                </a:solidFill>
+              </a:rPr>
+              <a:t>    }</a:t>
+            </a:r>
+          </a:p>
+        </p:txBody>
+      </p:sp>
+      <p:sp>
+        <p:nvSpPr>
+          <p:cNvPr id="38" name="Rectangle 37">
+            <a:extLst>
+              <a:ext uri="{FF2B5EF4-FFF2-40B4-BE49-F238E27FC236}">
+                <a16:creationId xmlns:a16="http://schemas.microsoft.com/office/drawing/2014/main" id="{DB506994-8445-4FA6-8F1A-85F7D383E3D3}"/>
+              </a:ext>
+            </a:extLst>
+          </p:cNvPr>
+          <p:cNvSpPr/>
+          <p:nvPr/>
+        </p:nvSpPr>
+        <p:spPr>
+          <a:xfrm>
+            <a:off x="2156533" y="5114589"/>
+            <a:ext cx="5760720" cy="1787515"/>
+          </a:xfrm>
+          <a:prstGeom prst="rect">
+            <a:avLst/>
+          </a:prstGeom>
+          <a:solidFill>
+            <a:schemeClr val="accent1">
+              <a:lumMod val="20000"/>
+              <a:lumOff val="80000"/>
+            </a:schemeClr>
+          </a:solidFill>
+        </p:spPr>
+        <p:style>
+          <a:lnRef idx="2">
+            <a:schemeClr val="accent1">
+              <a:shade val="50000"/>
+            </a:schemeClr>
+          </a:lnRef>
+          <a:fillRef idx="1">
+            <a:schemeClr val="accent1"/>
+          </a:fillRef>
+          <a:effectRef idx="0">
+            <a:schemeClr val="accent1"/>
+          </a:effectRef>
+          <a:fontRef idx="minor">
+            <a:schemeClr val="lt1"/>
+          </a:fontRef>
+        </p:style>
+        <p:txBody>
+          <a:bodyPr rtlCol="0" anchor="ctr"/>
+          <a:lstStyle/>
+          <a:p>
+            <a:r>
+              <a:rPr lang="en-US" sz="1200" dirty="0">
+                <a:solidFill>
+                  <a:schemeClr val="tx1"/>
+                </a:solidFill>
+              </a:rPr>
+              <a:t>  public class </a:t>
+            </a:r>
+            <a:r>
+              <a:rPr lang="en-US" sz="1200" dirty="0" err="1">
+                <a:solidFill>
+                  <a:schemeClr val="tx1"/>
+                </a:solidFill>
+              </a:rPr>
+              <a:t>ReportDatabase</a:t>
+            </a:r>
+            <a:r>
+              <a:rPr lang="en-US" sz="1200" dirty="0">
+                <a:solidFill>
+                  <a:schemeClr val="tx1"/>
+                </a:solidFill>
+              </a:rPr>
+              <a:t> : </a:t>
+            </a:r>
+            <a:r>
+              <a:rPr lang="en-US" sz="1200" dirty="0" err="1">
+                <a:solidFill>
+                  <a:schemeClr val="tx1"/>
+                </a:solidFill>
+              </a:rPr>
+              <a:t>IReportDatabase</a:t>
+            </a:r>
+            <a:endParaRPr lang="en-US" sz="1200" dirty="0">
+              <a:solidFill>
+                <a:schemeClr val="tx1"/>
+              </a:solidFill>
+            </a:endParaRPr>
+          </a:p>
+          <a:p>
+            <a:r>
+              <a:rPr lang="en-US" sz="1200" dirty="0">
+                <a:solidFill>
+                  <a:schemeClr val="tx1"/>
+                </a:solidFill>
+              </a:rPr>
+              <a:t>    {</a:t>
+            </a:r>
+          </a:p>
+          <a:p>
+            <a:r>
+              <a:rPr lang="en-US" sz="1200" dirty="0">
+                <a:solidFill>
+                  <a:schemeClr val="tx1"/>
+                </a:solidFill>
+              </a:rPr>
+              <a:t>public List&lt;</a:t>
+            </a:r>
+            <a:r>
+              <a:rPr lang="en-US" sz="1200" dirty="0" err="1">
+                <a:solidFill>
+                  <a:schemeClr val="tx1"/>
+                </a:solidFill>
+              </a:rPr>
+              <a:t>DiaryItem</a:t>
+            </a:r>
+            <a:r>
+              <a:rPr lang="en-US" sz="1200" b="1" dirty="0" err="1">
+                <a:solidFill>
+                  <a:schemeClr val="tx1"/>
+                </a:solidFill>
+              </a:rPr>
+              <a:t>Dto</a:t>
+            </a:r>
+            <a:r>
+              <a:rPr lang="en-US" sz="1200" dirty="0">
+                <a:solidFill>
+                  <a:schemeClr val="tx1"/>
+                </a:solidFill>
+              </a:rPr>
+              <a:t>&gt; </a:t>
+            </a:r>
+            <a:r>
+              <a:rPr lang="en-US" sz="1200" dirty="0" err="1">
+                <a:solidFill>
+                  <a:schemeClr val="tx1"/>
+                </a:solidFill>
+              </a:rPr>
+              <a:t>GetItems</a:t>
+            </a:r>
+            <a:r>
+              <a:rPr lang="en-US" sz="1200" dirty="0">
+                <a:solidFill>
+                  <a:schemeClr val="tx1"/>
+                </a:solidFill>
+              </a:rPr>
+              <a:t>()</a:t>
+            </a:r>
+          </a:p>
+          <a:p>
+            <a:r>
+              <a:rPr lang="en-US" sz="1200" dirty="0">
+                <a:solidFill>
+                  <a:schemeClr val="tx1"/>
+                </a:solidFill>
+              </a:rPr>
+              <a:t>        {</a:t>
+            </a:r>
+          </a:p>
+          <a:p>
+            <a:r>
+              <a:rPr lang="en-US" sz="1200" dirty="0">
+                <a:solidFill>
+                  <a:schemeClr val="tx1"/>
+                </a:solidFill>
+              </a:rPr>
+              <a:t>            return items;</a:t>
+            </a:r>
+          </a:p>
+          <a:p>
+            <a:r>
+              <a:rPr lang="en-US" sz="1200" dirty="0">
+                <a:solidFill>
+                  <a:schemeClr val="tx1"/>
+                </a:solidFill>
+              </a:rPr>
+              <a:t>        } </a:t>
+            </a:r>
+          </a:p>
+          <a:p>
+            <a:r>
+              <a:rPr lang="en-US" sz="1200" dirty="0">
+                <a:solidFill>
+                  <a:schemeClr val="tx1"/>
+                </a:solidFill>
+              </a:rPr>
+              <a:t>}</a:t>
+            </a:r>
+          </a:p>
+          <a:p>
+            <a:r>
+              <a:rPr lang="en-US" sz="1200" dirty="0">
+                <a:solidFill>
+                  <a:schemeClr val="tx1"/>
+                </a:solidFill>
+              </a:rPr>
+              <a:t> static List&lt;</a:t>
+            </a:r>
+            <a:r>
+              <a:rPr lang="en-US" sz="1200" dirty="0" err="1">
+                <a:solidFill>
+                  <a:schemeClr val="tx1"/>
+                </a:solidFill>
+              </a:rPr>
+              <a:t>DiaryItemDto</a:t>
+            </a:r>
+            <a:r>
+              <a:rPr lang="en-US" sz="1200" dirty="0">
+                <a:solidFill>
+                  <a:schemeClr val="tx1"/>
+                </a:solidFill>
+              </a:rPr>
+              <a:t>&gt; items = new List&lt;</a:t>
+            </a:r>
+            <a:r>
+              <a:rPr lang="en-US" sz="1200" dirty="0" err="1">
+                <a:solidFill>
+                  <a:schemeClr val="tx1"/>
+                </a:solidFill>
+              </a:rPr>
+              <a:t>DiaryItemDto</a:t>
+            </a:r>
+            <a:r>
+              <a:rPr lang="en-US" sz="1200" dirty="0">
+                <a:solidFill>
+                  <a:schemeClr val="tx1"/>
+                </a:solidFill>
+              </a:rPr>
+              <a:t>&gt;();</a:t>
+            </a:r>
+          </a:p>
+        </p:txBody>
+      </p:sp>
+    </p:spTree>
+    <p:extLst>
+      <p:ext uri="{BB962C8B-B14F-4D97-AF65-F5344CB8AC3E}">
+        <p14:creationId xmlns:p14="http://schemas.microsoft.com/office/powerpoint/2010/main" val="2315287859"/>
+      </p:ext>
+    </p:extLst>
+  </p:cSld>
+  <p:clrMapOvr>
+    <a:masterClrMapping/>
+  </p:clrMapOvr>
+</p:sld>
+</file>
+
+<file path=ppt/slides/slide7.xml><?xml version="1.0" encoding="utf-8"?>
+<p:sld xmlns:a="http://schemas.openxmlformats.org/drawingml/2006/main" xmlns:r="http://schemas.openxmlformats.org/officeDocument/2006/relationships" xmlns:p="http://schemas.openxmlformats.org/presentationml/2006/main">
+  <p:cSld>
+    <p:spTree>
+      <p:nvGrpSpPr>
+        <p:cNvPr id="1" name=""/>
+        <p:cNvGrpSpPr/>
+        <p:nvPr/>
+      </p:nvGrpSpPr>
+      <p:grpSpPr>
+        <a:xfrm>
+          <a:off x="0" y="0"/>
+          <a:ext cx="0" cy="0"/>
+          <a:chOff x="0" y="0"/>
+          <a:chExt cx="0" cy="0"/>
+        </a:xfrm>
+      </p:grpSpPr>
+      <p:sp>
+        <p:nvSpPr>
+          <p:cNvPr id="3" name="Rectangle 2">
+            <a:extLst>
+              <a:ext uri="{FF2B5EF4-FFF2-40B4-BE49-F238E27FC236}">
+                <a16:creationId xmlns:a16="http://schemas.microsoft.com/office/drawing/2014/main" id="{52375A82-C1EB-4D7C-8A3D-AE940E544894}"/>
+              </a:ext>
+            </a:extLst>
+          </p:cNvPr>
+          <p:cNvSpPr/>
+          <p:nvPr/>
+        </p:nvSpPr>
+        <p:spPr>
+          <a:xfrm>
+            <a:off x="2627794" y="19967"/>
+            <a:ext cx="1132536" cy="361773"/>
+          </a:xfrm>
+          <a:prstGeom prst="rect">
+            <a:avLst/>
+          </a:prstGeom>
+          <a:solidFill>
+            <a:schemeClr val="accent1">
+              <a:lumMod val="20000"/>
+              <a:lumOff val="80000"/>
+            </a:schemeClr>
+          </a:solidFill>
+        </p:spPr>
+        <p:style>
+          <a:lnRef idx="2">
+            <a:schemeClr val="accent1">
+              <a:shade val="50000"/>
+            </a:schemeClr>
+          </a:lnRef>
+          <a:fillRef idx="1">
+            <a:schemeClr val="accent1"/>
+          </a:fillRef>
+          <a:effectRef idx="0">
+            <a:schemeClr val="accent1"/>
+          </a:effectRef>
+          <a:fontRef idx="minor">
+            <a:schemeClr val="lt1"/>
+          </a:fontRef>
+        </p:style>
+        <p:txBody>
+          <a:bodyPr rtlCol="0" anchor="ctr"/>
+          <a:lstStyle/>
+          <a:p>
+            <a:pPr algn="ctr"/>
+            <a:r>
+              <a:rPr lang="en-US" dirty="0">
+                <a:solidFill>
+                  <a:schemeClr val="tx1"/>
+                </a:solidFill>
+              </a:rPr>
+              <a:t>UI- MVC</a:t>
+            </a:r>
+          </a:p>
+        </p:txBody>
+      </p:sp>
+      <p:sp>
+        <p:nvSpPr>
+          <p:cNvPr id="7" name="Rectangle 6">
+            <a:extLst>
+              <a:ext uri="{FF2B5EF4-FFF2-40B4-BE49-F238E27FC236}">
+                <a16:creationId xmlns:a16="http://schemas.microsoft.com/office/drawing/2014/main" id="{4C204792-5D71-4888-B40C-51DFB0204CAC}"/>
+              </a:ext>
+            </a:extLst>
+          </p:cNvPr>
+          <p:cNvSpPr/>
+          <p:nvPr/>
+        </p:nvSpPr>
+        <p:spPr>
+          <a:xfrm>
+            <a:off x="4440317" y="19967"/>
+            <a:ext cx="1321293" cy="361773"/>
+          </a:xfrm>
+          <a:prstGeom prst="rect">
+            <a:avLst/>
+          </a:prstGeom>
+          <a:solidFill>
+            <a:schemeClr val="accent1">
+              <a:lumMod val="20000"/>
+              <a:lumOff val="80000"/>
+            </a:schemeClr>
+          </a:solidFill>
+        </p:spPr>
+        <p:style>
+          <a:lnRef idx="2">
+            <a:schemeClr val="accent1">
+              <a:shade val="50000"/>
+            </a:schemeClr>
+          </a:lnRef>
+          <a:fillRef idx="1">
+            <a:schemeClr val="accent1"/>
+          </a:fillRef>
+          <a:effectRef idx="0">
+            <a:schemeClr val="accent1"/>
+          </a:effectRef>
+          <a:fontRef idx="minor">
+            <a:schemeClr val="lt1"/>
+          </a:fontRef>
+        </p:style>
+        <p:txBody>
+          <a:bodyPr rtlCol="0" anchor="ctr"/>
+          <a:lstStyle/>
+          <a:p>
+            <a:pPr algn="ctr"/>
+            <a:r>
+              <a:rPr lang="en-US" dirty="0">
+                <a:solidFill>
+                  <a:schemeClr val="tx1"/>
+                </a:solidFill>
+              </a:rPr>
+              <a:t>Controller</a:t>
+            </a:r>
+          </a:p>
+        </p:txBody>
+      </p:sp>
+      <p:cxnSp>
+        <p:nvCxnSpPr>
+          <p:cNvPr id="9" name="Straight Arrow Connector 8">
+            <a:extLst>
+              <a:ext uri="{FF2B5EF4-FFF2-40B4-BE49-F238E27FC236}">
+                <a16:creationId xmlns:a16="http://schemas.microsoft.com/office/drawing/2014/main" id="{45D33934-C83B-4EB1-9F76-ACD0305F17E1}"/>
+              </a:ext>
+            </a:extLst>
+          </p:cNvPr>
+          <p:cNvCxnSpPr>
+            <a:cxnSpLocks/>
+            <a:stCxn id="3" idx="3"/>
+            <a:endCxn id="7" idx="1"/>
+          </p:cNvCxnSpPr>
+          <p:nvPr/>
+        </p:nvCxnSpPr>
+        <p:spPr>
+          <a:xfrm>
+            <a:off x="3760330" y="200854"/>
+            <a:ext cx="679987" cy="0"/>
+          </a:xfrm>
+          <a:prstGeom prst="straightConnector1">
+            <a:avLst/>
+          </a:prstGeom>
+          <a:ln>
+            <a:tailEnd type="triangle"/>
+          </a:ln>
+        </p:spPr>
+        <p:style>
+          <a:lnRef idx="1">
+            <a:schemeClr val="accent1"/>
+          </a:lnRef>
+          <a:fillRef idx="0">
+            <a:schemeClr val="accent1"/>
+          </a:fillRef>
+          <a:effectRef idx="0">
+            <a:schemeClr val="accent1"/>
+          </a:effectRef>
+          <a:fontRef idx="minor">
+            <a:schemeClr val="tx1"/>
+          </a:fontRef>
+        </p:style>
+      </p:cxnSp>
+      <p:sp>
+        <p:nvSpPr>
+          <p:cNvPr id="16" name="Rectangle 15">
+            <a:extLst>
+              <a:ext uri="{FF2B5EF4-FFF2-40B4-BE49-F238E27FC236}">
+                <a16:creationId xmlns:a16="http://schemas.microsoft.com/office/drawing/2014/main" id="{736F0E92-1471-469C-A3E9-64E74F0F2D26}"/>
+              </a:ext>
+            </a:extLst>
+          </p:cNvPr>
+          <p:cNvSpPr/>
+          <p:nvPr/>
+        </p:nvSpPr>
+        <p:spPr>
+          <a:xfrm>
+            <a:off x="6428915" y="19967"/>
+            <a:ext cx="1321291" cy="361773"/>
+          </a:xfrm>
+          <a:prstGeom prst="rect">
+            <a:avLst/>
+          </a:prstGeom>
+          <a:solidFill>
+            <a:schemeClr val="accent1">
+              <a:lumMod val="20000"/>
+              <a:lumOff val="80000"/>
+            </a:schemeClr>
+          </a:solidFill>
+        </p:spPr>
+        <p:style>
+          <a:lnRef idx="2">
+            <a:schemeClr val="accent1">
+              <a:shade val="50000"/>
+            </a:schemeClr>
+          </a:lnRef>
+          <a:fillRef idx="1">
+            <a:schemeClr val="accent1"/>
+          </a:fillRef>
+          <a:effectRef idx="0">
+            <a:schemeClr val="accent1"/>
+          </a:effectRef>
+          <a:fontRef idx="minor">
+            <a:schemeClr val="lt1"/>
+          </a:fontRef>
+        </p:style>
+        <p:txBody>
+          <a:bodyPr rtlCol="0" anchor="ctr"/>
+          <a:lstStyle/>
+          <a:p>
+            <a:pPr algn="ctr"/>
+            <a:r>
+              <a:rPr lang="en-US" dirty="0">
+                <a:solidFill>
+                  <a:schemeClr val="tx1"/>
+                </a:solidFill>
+              </a:rPr>
+              <a:t>View</a:t>
+            </a:r>
+          </a:p>
+        </p:txBody>
+      </p:sp>
+      <p:cxnSp>
+        <p:nvCxnSpPr>
+          <p:cNvPr id="19" name="Straight Arrow Connector 18">
+            <a:extLst>
+              <a:ext uri="{FF2B5EF4-FFF2-40B4-BE49-F238E27FC236}">
+                <a16:creationId xmlns:a16="http://schemas.microsoft.com/office/drawing/2014/main" id="{6AFA38BE-E325-49BF-AEDB-F12F3677DE74}"/>
+              </a:ext>
+            </a:extLst>
+          </p:cNvPr>
+          <p:cNvCxnSpPr>
+            <a:cxnSpLocks/>
+            <a:stCxn id="7" idx="3"/>
+            <a:endCxn id="16" idx="1"/>
+          </p:cNvCxnSpPr>
+          <p:nvPr/>
+        </p:nvCxnSpPr>
+        <p:spPr>
+          <a:xfrm>
+            <a:off x="5761610" y="200854"/>
+            <a:ext cx="667305" cy="0"/>
+          </a:xfrm>
+          <a:prstGeom prst="straightConnector1">
+            <a:avLst/>
+          </a:prstGeom>
+          <a:ln>
+            <a:tailEnd type="triangle"/>
+          </a:ln>
+        </p:spPr>
+        <p:style>
+          <a:lnRef idx="1">
+            <a:schemeClr val="accent1"/>
+          </a:lnRef>
+          <a:fillRef idx="0">
+            <a:schemeClr val="accent1"/>
+          </a:fillRef>
+          <a:effectRef idx="0">
+            <a:schemeClr val="accent1"/>
+          </a:effectRef>
+          <a:fontRef idx="minor">
+            <a:schemeClr val="tx1"/>
+          </a:fontRef>
+        </p:style>
+      </p:cxnSp>
+      <p:sp>
+        <p:nvSpPr>
+          <p:cNvPr id="20" name="Rectangle 19">
+            <a:extLst>
+              <a:ext uri="{FF2B5EF4-FFF2-40B4-BE49-F238E27FC236}">
+                <a16:creationId xmlns:a16="http://schemas.microsoft.com/office/drawing/2014/main" id="{0516F2ED-7639-4269-BD3F-85890546B598}"/>
+              </a:ext>
+            </a:extLst>
+          </p:cNvPr>
+          <p:cNvSpPr/>
+          <p:nvPr/>
+        </p:nvSpPr>
+        <p:spPr>
+          <a:xfrm>
+            <a:off x="248573" y="702059"/>
+            <a:ext cx="9765438" cy="572800"/>
+          </a:xfrm>
+          <a:prstGeom prst="rect">
+            <a:avLst/>
+          </a:prstGeom>
+          <a:solidFill>
+            <a:schemeClr val="accent1">
+              <a:lumMod val="20000"/>
+              <a:lumOff val="80000"/>
+            </a:schemeClr>
+          </a:solidFill>
+        </p:spPr>
+        <p:style>
+          <a:lnRef idx="2">
+            <a:schemeClr val="accent1">
+              <a:shade val="50000"/>
+            </a:schemeClr>
+          </a:lnRef>
+          <a:fillRef idx="1">
+            <a:schemeClr val="accent1"/>
+          </a:fillRef>
+          <a:effectRef idx="0">
+            <a:schemeClr val="accent1"/>
+          </a:effectRef>
+          <a:fontRef idx="minor">
+            <a:schemeClr val="lt1"/>
+          </a:fontRef>
+        </p:style>
+        <p:txBody>
+          <a:bodyPr rtlCol="0" anchor="ctr"/>
+          <a:lstStyle/>
+          <a:p>
+            <a:pPr algn="ctr"/>
+            <a:r>
+              <a:rPr lang="en-US" sz="1200" dirty="0">
+                <a:solidFill>
+                  <a:schemeClr val="tx1"/>
+                </a:solidFill>
+              </a:rPr>
+              <a:t>Service Locator - Add</a:t>
+            </a:r>
+          </a:p>
+          <a:p>
+            <a:pPr algn="ctr"/>
+            <a:r>
+              <a:rPr lang="en-US" sz="1200" dirty="0">
+                <a:solidFill>
+                  <a:schemeClr val="tx1"/>
+                </a:solidFill>
+              </a:rPr>
+              <a:t> </a:t>
+            </a:r>
+            <a:r>
+              <a:rPr lang="en-US" sz="1200" dirty="0" err="1">
+                <a:solidFill>
+                  <a:schemeClr val="tx1"/>
+                </a:solidFill>
+              </a:rPr>
+              <a:t>ServiceLocator.CommandBus.Send</a:t>
+            </a:r>
+            <a:r>
+              <a:rPr lang="en-US" sz="1200" dirty="0">
+                <a:solidFill>
+                  <a:schemeClr val="tx1"/>
+                </a:solidFill>
+              </a:rPr>
+              <a:t>(new </a:t>
+            </a:r>
+            <a:r>
+              <a:rPr lang="en-US" sz="1200" dirty="0" err="1">
+                <a:solidFill>
+                  <a:schemeClr val="tx1"/>
+                </a:solidFill>
+              </a:rPr>
+              <a:t>CreateItemCommand</a:t>
+            </a:r>
+            <a:r>
+              <a:rPr lang="en-US" sz="1200" dirty="0">
+                <a:solidFill>
+                  <a:schemeClr val="tx1"/>
+                </a:solidFill>
+              </a:rPr>
+              <a:t>(</a:t>
+            </a:r>
+            <a:r>
+              <a:rPr lang="en-US" sz="1200" dirty="0" err="1">
+                <a:solidFill>
+                  <a:schemeClr val="tx1"/>
+                </a:solidFill>
+              </a:rPr>
+              <a:t>Guid.NewGuid</a:t>
+            </a:r>
+            <a:r>
+              <a:rPr lang="en-US" sz="1200" dirty="0">
+                <a:solidFill>
+                  <a:schemeClr val="tx1"/>
+                </a:solidFill>
+              </a:rPr>
+              <a:t>(),item.Title,item.Description,-1,item.From,item.To));</a:t>
+            </a:r>
+          </a:p>
+        </p:txBody>
+      </p:sp>
+      <p:cxnSp>
+        <p:nvCxnSpPr>
+          <p:cNvPr id="22" name="Straight Arrow Connector 21">
+            <a:extLst>
+              <a:ext uri="{FF2B5EF4-FFF2-40B4-BE49-F238E27FC236}">
+                <a16:creationId xmlns:a16="http://schemas.microsoft.com/office/drawing/2014/main" id="{09E1DEA9-909E-4FEA-9070-1EBE70E2A503}"/>
+              </a:ext>
+            </a:extLst>
+          </p:cNvPr>
+          <p:cNvCxnSpPr>
+            <a:cxnSpLocks/>
+            <a:stCxn id="7" idx="2"/>
+            <a:endCxn id="20" idx="0"/>
+          </p:cNvCxnSpPr>
+          <p:nvPr/>
+        </p:nvCxnSpPr>
+        <p:spPr>
+          <a:xfrm>
+            <a:off x="5100964" y="381740"/>
+            <a:ext cx="30328" cy="320319"/>
+          </a:xfrm>
+          <a:prstGeom prst="straightConnector1">
+            <a:avLst/>
+          </a:prstGeom>
+          <a:ln>
+            <a:tailEnd type="triangle"/>
+          </a:ln>
+        </p:spPr>
+        <p:style>
+          <a:lnRef idx="1">
+            <a:schemeClr val="accent1"/>
+          </a:lnRef>
+          <a:fillRef idx="0">
+            <a:schemeClr val="accent1"/>
+          </a:fillRef>
+          <a:effectRef idx="0">
+            <a:schemeClr val="accent1"/>
+          </a:effectRef>
+          <a:fontRef idx="minor">
+            <a:schemeClr val="tx1"/>
+          </a:fontRef>
+        </p:style>
+      </p:cxnSp>
+      <p:sp>
+        <p:nvSpPr>
+          <p:cNvPr id="12" name="Rectangle 11">
+            <a:extLst>
+              <a:ext uri="{FF2B5EF4-FFF2-40B4-BE49-F238E27FC236}">
+                <a16:creationId xmlns:a16="http://schemas.microsoft.com/office/drawing/2014/main" id="{AEBE05C6-3B71-4F06-8DAD-4B2CE1A02931}"/>
+              </a:ext>
+            </a:extLst>
+          </p:cNvPr>
+          <p:cNvSpPr/>
+          <p:nvPr/>
+        </p:nvSpPr>
+        <p:spPr>
+          <a:xfrm>
+            <a:off x="248573" y="1489663"/>
+            <a:ext cx="5502675" cy="572799"/>
+          </a:xfrm>
+          <a:prstGeom prst="rect">
+            <a:avLst/>
+          </a:prstGeom>
+          <a:solidFill>
+            <a:schemeClr val="accent1">
+              <a:lumMod val="20000"/>
+              <a:lumOff val="80000"/>
+            </a:schemeClr>
+          </a:solidFill>
+        </p:spPr>
+        <p:style>
+          <a:lnRef idx="2">
+            <a:schemeClr val="accent1">
+              <a:shade val="50000"/>
+            </a:schemeClr>
+          </a:lnRef>
+          <a:fillRef idx="1">
+            <a:schemeClr val="accent1"/>
+          </a:fillRef>
+          <a:effectRef idx="0">
+            <a:schemeClr val="accent1"/>
+          </a:effectRef>
+          <a:fontRef idx="minor">
+            <a:schemeClr val="lt1"/>
+          </a:fontRef>
+        </p:style>
+        <p:txBody>
+          <a:bodyPr rtlCol="0" anchor="ctr"/>
+          <a:lstStyle/>
+          <a:p>
+            <a:pPr algn="ctr"/>
+            <a:r>
+              <a:rPr lang="en-US" sz="1200" dirty="0" err="1">
+                <a:solidFill>
+                  <a:schemeClr val="tx1"/>
+                </a:solidFill>
+              </a:rPr>
+              <a:t>CommandBus</a:t>
+            </a:r>
+            <a:endParaRPr lang="en-US" sz="1200" dirty="0">
+              <a:solidFill>
+                <a:schemeClr val="tx1"/>
+              </a:solidFill>
+            </a:endParaRPr>
+          </a:p>
+          <a:p>
+            <a:pPr algn="ctr"/>
+            <a:r>
+              <a:rPr lang="en-US" sz="1200" dirty="0">
+                <a:solidFill>
+                  <a:schemeClr val="tx1"/>
+                </a:solidFill>
+              </a:rPr>
+              <a:t> private static  </a:t>
+            </a:r>
+            <a:r>
+              <a:rPr lang="en-US" sz="1200" dirty="0" err="1">
+                <a:solidFill>
+                  <a:schemeClr val="tx1"/>
+                </a:solidFill>
+              </a:rPr>
+              <a:t>ICommandBus</a:t>
+            </a:r>
+            <a:r>
+              <a:rPr lang="en-US" sz="1200" dirty="0">
+                <a:solidFill>
+                  <a:schemeClr val="tx1"/>
+                </a:solidFill>
+              </a:rPr>
+              <a:t> _</a:t>
+            </a:r>
+            <a:r>
+              <a:rPr lang="en-US" sz="1200" dirty="0" err="1">
+                <a:solidFill>
+                  <a:schemeClr val="tx1"/>
+                </a:solidFill>
+              </a:rPr>
+              <a:t>commandBus</a:t>
+            </a:r>
+            <a:r>
+              <a:rPr lang="en-US" sz="1200" dirty="0">
+                <a:solidFill>
+                  <a:schemeClr val="tx1"/>
+                </a:solidFill>
+              </a:rPr>
+              <a:t>;</a:t>
+            </a:r>
+          </a:p>
+          <a:p>
+            <a:pPr algn="ctr"/>
+            <a:r>
+              <a:rPr lang="en-US" sz="1200" dirty="0">
+                <a:solidFill>
+                  <a:schemeClr val="tx1"/>
+                </a:solidFill>
+              </a:rPr>
+              <a:t> </a:t>
+            </a:r>
+            <a:r>
+              <a:rPr lang="en-US" sz="1200" dirty="0" err="1">
+                <a:solidFill>
+                  <a:schemeClr val="tx1"/>
+                </a:solidFill>
+              </a:rPr>
+              <a:t>x.For</a:t>
+            </a:r>
+            <a:r>
+              <a:rPr lang="en-US" sz="1200" dirty="0">
+                <a:solidFill>
+                  <a:schemeClr val="tx1"/>
+                </a:solidFill>
+              </a:rPr>
+              <a:t>&lt;</a:t>
+            </a:r>
+            <a:r>
+              <a:rPr lang="en-US" sz="1200" dirty="0" err="1">
+                <a:solidFill>
+                  <a:schemeClr val="tx1"/>
+                </a:solidFill>
+              </a:rPr>
+              <a:t>ICommandBus</a:t>
+            </a:r>
+            <a:r>
+              <a:rPr lang="en-US" sz="1200" dirty="0">
+                <a:solidFill>
+                  <a:schemeClr val="tx1"/>
+                </a:solidFill>
+              </a:rPr>
+              <a:t>&gt;().Use&lt;</a:t>
+            </a:r>
+            <a:r>
+              <a:rPr lang="en-US" sz="1200" dirty="0" err="1">
+                <a:solidFill>
+                  <a:schemeClr val="tx1"/>
+                </a:solidFill>
+              </a:rPr>
+              <a:t>CommandBus</a:t>
+            </a:r>
+            <a:r>
+              <a:rPr lang="en-US" sz="1200" dirty="0">
+                <a:solidFill>
+                  <a:schemeClr val="tx1"/>
+                </a:solidFill>
+              </a:rPr>
+              <a:t>&gt;();</a:t>
+            </a:r>
+          </a:p>
+        </p:txBody>
+      </p:sp>
+      <p:sp>
+        <p:nvSpPr>
+          <p:cNvPr id="23" name="Rectangle 22">
+            <a:extLst>
+              <a:ext uri="{FF2B5EF4-FFF2-40B4-BE49-F238E27FC236}">
+                <a16:creationId xmlns:a16="http://schemas.microsoft.com/office/drawing/2014/main" id="{1B712346-DBAA-4443-A71C-4570F9E01E59}"/>
+              </a:ext>
+            </a:extLst>
+          </p:cNvPr>
+          <p:cNvSpPr/>
+          <p:nvPr/>
+        </p:nvSpPr>
+        <p:spPr>
+          <a:xfrm>
+            <a:off x="258934" y="2210233"/>
+            <a:ext cx="5502675" cy="4627799"/>
+          </a:xfrm>
+          <a:prstGeom prst="rect">
+            <a:avLst/>
+          </a:prstGeom>
+          <a:solidFill>
+            <a:schemeClr val="accent1">
+              <a:lumMod val="20000"/>
+              <a:lumOff val="80000"/>
+            </a:schemeClr>
+          </a:solidFill>
+        </p:spPr>
+        <p:style>
+          <a:lnRef idx="2">
+            <a:schemeClr val="accent1">
+              <a:shade val="50000"/>
+            </a:schemeClr>
+          </a:lnRef>
+          <a:fillRef idx="1">
+            <a:schemeClr val="accent1"/>
+          </a:fillRef>
+          <a:effectRef idx="0">
+            <a:schemeClr val="accent1"/>
+          </a:effectRef>
+          <a:fontRef idx="minor">
+            <a:schemeClr val="lt1"/>
+          </a:fontRef>
+        </p:style>
+        <p:txBody>
+          <a:bodyPr rtlCol="0" anchor="ctr"/>
+          <a:lstStyle/>
+          <a:p>
+            <a:r>
+              <a:rPr lang="en-US" sz="1200" dirty="0">
+                <a:solidFill>
+                  <a:schemeClr val="tx1"/>
+                </a:solidFill>
+              </a:rPr>
+              <a:t> public class </a:t>
+            </a:r>
+            <a:r>
+              <a:rPr lang="en-US" sz="1200" dirty="0" err="1">
+                <a:solidFill>
+                  <a:schemeClr val="tx1"/>
+                </a:solidFill>
+              </a:rPr>
+              <a:t>CommandBus:ICommandBus</a:t>
+            </a:r>
+            <a:endParaRPr lang="en-US" sz="1200" dirty="0">
+              <a:solidFill>
+                <a:schemeClr val="tx1"/>
+              </a:solidFill>
+            </a:endParaRPr>
+          </a:p>
+          <a:p>
+            <a:r>
+              <a:rPr lang="en-US" sz="1200" dirty="0">
+                <a:solidFill>
+                  <a:schemeClr val="tx1"/>
+                </a:solidFill>
+              </a:rPr>
+              <a:t>    {</a:t>
+            </a:r>
+          </a:p>
+          <a:p>
+            <a:r>
+              <a:rPr lang="en-US" sz="1200" dirty="0">
+                <a:solidFill>
+                  <a:schemeClr val="tx1"/>
+                </a:solidFill>
+              </a:rPr>
+              <a:t>        private </a:t>
+            </a:r>
+            <a:r>
+              <a:rPr lang="en-US" sz="1200" dirty="0" err="1">
+                <a:solidFill>
+                  <a:schemeClr val="tx1"/>
+                </a:solidFill>
+              </a:rPr>
+              <a:t>readonly</a:t>
+            </a:r>
+            <a:r>
+              <a:rPr lang="en-US" sz="1200" dirty="0">
+                <a:solidFill>
+                  <a:schemeClr val="tx1"/>
+                </a:solidFill>
+              </a:rPr>
+              <a:t> </a:t>
+            </a:r>
+            <a:r>
+              <a:rPr lang="en-US" sz="1200" dirty="0" err="1">
+                <a:solidFill>
+                  <a:schemeClr val="tx1"/>
+                </a:solidFill>
+              </a:rPr>
+              <a:t>ICommandHandlerFactory</a:t>
+            </a:r>
+            <a:r>
+              <a:rPr lang="en-US" sz="1200" dirty="0">
+                <a:solidFill>
+                  <a:schemeClr val="tx1"/>
+                </a:solidFill>
+              </a:rPr>
+              <a:t> _</a:t>
+            </a:r>
+            <a:r>
+              <a:rPr lang="en-US" sz="1200" b="1" dirty="0" err="1">
+                <a:solidFill>
+                  <a:schemeClr val="tx1"/>
+                </a:solidFill>
+              </a:rPr>
+              <a:t>commandHandlerFactory</a:t>
+            </a:r>
+            <a:r>
+              <a:rPr lang="en-US" sz="1200" dirty="0">
+                <a:solidFill>
+                  <a:schemeClr val="tx1"/>
+                </a:solidFill>
+              </a:rPr>
+              <a:t>;</a:t>
+            </a:r>
+          </a:p>
+          <a:p>
+            <a:endParaRPr lang="en-US" sz="1200" dirty="0">
+              <a:solidFill>
+                <a:schemeClr val="tx1"/>
+              </a:solidFill>
+            </a:endParaRPr>
+          </a:p>
+          <a:p>
+            <a:r>
+              <a:rPr lang="en-US" sz="1200" dirty="0">
+                <a:solidFill>
+                  <a:schemeClr val="tx1"/>
+                </a:solidFill>
+              </a:rPr>
+              <a:t>        public </a:t>
+            </a:r>
+            <a:r>
+              <a:rPr lang="en-US" sz="1200" dirty="0" err="1">
+                <a:solidFill>
+                  <a:schemeClr val="tx1"/>
+                </a:solidFill>
+              </a:rPr>
+              <a:t>CommandBus</a:t>
+            </a:r>
+            <a:r>
+              <a:rPr lang="en-US" sz="1200" dirty="0">
+                <a:solidFill>
+                  <a:schemeClr val="tx1"/>
+                </a:solidFill>
+              </a:rPr>
+              <a:t>(</a:t>
+            </a:r>
+            <a:r>
+              <a:rPr lang="en-US" sz="1200" dirty="0" err="1">
+                <a:solidFill>
+                  <a:schemeClr val="tx1"/>
+                </a:solidFill>
+              </a:rPr>
+              <a:t>ICommandHandlerFactory</a:t>
+            </a:r>
+            <a:r>
+              <a:rPr lang="en-US" sz="1200" dirty="0">
+                <a:solidFill>
+                  <a:schemeClr val="tx1"/>
+                </a:solidFill>
+              </a:rPr>
+              <a:t> </a:t>
+            </a:r>
+            <a:r>
+              <a:rPr lang="en-US" sz="1200" dirty="0" err="1">
+                <a:solidFill>
+                  <a:schemeClr val="tx1"/>
+                </a:solidFill>
+              </a:rPr>
+              <a:t>commandHandlerFactory</a:t>
+            </a:r>
+            <a:r>
+              <a:rPr lang="en-US" sz="1200" dirty="0">
+                <a:solidFill>
+                  <a:schemeClr val="tx1"/>
+                </a:solidFill>
+              </a:rPr>
+              <a:t>)</a:t>
+            </a:r>
+          </a:p>
+          <a:p>
+            <a:r>
+              <a:rPr lang="en-US" sz="1200" dirty="0">
+                <a:solidFill>
+                  <a:schemeClr val="tx1"/>
+                </a:solidFill>
+              </a:rPr>
+              <a:t>        {</a:t>
+            </a:r>
+          </a:p>
+          <a:p>
+            <a:r>
+              <a:rPr lang="en-US" sz="1200" dirty="0">
+                <a:solidFill>
+                  <a:schemeClr val="tx1"/>
+                </a:solidFill>
+              </a:rPr>
+              <a:t>            _</a:t>
+            </a:r>
+            <a:r>
+              <a:rPr lang="en-US" sz="1200" dirty="0" err="1">
+                <a:solidFill>
+                  <a:schemeClr val="tx1"/>
+                </a:solidFill>
+              </a:rPr>
+              <a:t>commandHandlerFactory</a:t>
+            </a:r>
+            <a:r>
+              <a:rPr lang="en-US" sz="1200" dirty="0">
+                <a:solidFill>
+                  <a:schemeClr val="tx1"/>
+                </a:solidFill>
+              </a:rPr>
+              <a:t> = </a:t>
+            </a:r>
+            <a:r>
+              <a:rPr lang="en-US" sz="1200" dirty="0" err="1">
+                <a:solidFill>
+                  <a:schemeClr val="tx1"/>
+                </a:solidFill>
+              </a:rPr>
+              <a:t>commandHandlerFactory</a:t>
+            </a:r>
+            <a:r>
+              <a:rPr lang="en-US" sz="1200" dirty="0">
+                <a:solidFill>
+                  <a:schemeClr val="tx1"/>
+                </a:solidFill>
+              </a:rPr>
+              <a:t>;</a:t>
+            </a:r>
+          </a:p>
+          <a:p>
+            <a:r>
+              <a:rPr lang="en-US" sz="1200" dirty="0">
+                <a:solidFill>
+                  <a:schemeClr val="tx1"/>
+                </a:solidFill>
+              </a:rPr>
+              <a:t>        }</a:t>
+            </a:r>
+          </a:p>
+          <a:p>
+            <a:endParaRPr lang="en-US" sz="1200" dirty="0">
+              <a:solidFill>
+                <a:schemeClr val="tx1"/>
+              </a:solidFill>
+            </a:endParaRPr>
+          </a:p>
+          <a:p>
+            <a:r>
+              <a:rPr lang="fr-FR" sz="1200" dirty="0">
+                <a:solidFill>
+                  <a:schemeClr val="tx1"/>
+                </a:solidFill>
+              </a:rPr>
+              <a:t>        public </a:t>
+            </a:r>
+            <a:r>
+              <a:rPr lang="fr-FR" sz="1200" dirty="0" err="1">
+                <a:solidFill>
+                  <a:schemeClr val="tx1"/>
+                </a:solidFill>
+              </a:rPr>
+              <a:t>void</a:t>
+            </a:r>
+            <a:r>
+              <a:rPr lang="fr-FR" sz="1200" dirty="0">
+                <a:solidFill>
+                  <a:schemeClr val="tx1"/>
+                </a:solidFill>
+              </a:rPr>
+              <a:t> </a:t>
+            </a:r>
+            <a:r>
+              <a:rPr lang="fr-FR" sz="1200" b="1" dirty="0" err="1">
+                <a:solidFill>
+                  <a:schemeClr val="tx1"/>
+                </a:solidFill>
+              </a:rPr>
+              <a:t>Send</a:t>
+            </a:r>
+            <a:r>
+              <a:rPr lang="fr-FR" sz="1200" dirty="0">
+                <a:solidFill>
+                  <a:schemeClr val="tx1"/>
+                </a:solidFill>
+              </a:rPr>
+              <a:t>&lt;T&gt;(T command) </a:t>
+            </a:r>
+            <a:r>
+              <a:rPr lang="fr-FR" sz="1200" dirty="0" err="1">
+                <a:solidFill>
+                  <a:schemeClr val="tx1"/>
+                </a:solidFill>
+              </a:rPr>
+              <a:t>where</a:t>
+            </a:r>
+            <a:r>
+              <a:rPr lang="fr-FR" sz="1200" dirty="0">
+                <a:solidFill>
+                  <a:schemeClr val="tx1"/>
+                </a:solidFill>
+              </a:rPr>
+              <a:t> T : Command</a:t>
+            </a:r>
+          </a:p>
+          <a:p>
+            <a:r>
+              <a:rPr lang="en-US" sz="1200" dirty="0">
+                <a:solidFill>
+                  <a:schemeClr val="tx1"/>
+                </a:solidFill>
+              </a:rPr>
+              <a:t>        {</a:t>
+            </a:r>
+          </a:p>
+          <a:p>
+            <a:r>
+              <a:rPr lang="en-US" sz="1200" dirty="0">
+                <a:solidFill>
+                  <a:schemeClr val="tx1"/>
+                </a:solidFill>
+              </a:rPr>
+              <a:t>            var </a:t>
+            </a:r>
+            <a:r>
+              <a:rPr lang="en-US" sz="1200" b="1" dirty="0">
+                <a:solidFill>
+                  <a:srgbClr val="92D050"/>
+                </a:solidFill>
+              </a:rPr>
+              <a:t>handler</a:t>
+            </a:r>
+            <a:r>
+              <a:rPr lang="en-US" sz="1200" dirty="0">
+                <a:solidFill>
+                  <a:schemeClr val="tx1"/>
+                </a:solidFill>
+              </a:rPr>
+              <a:t> = _</a:t>
+            </a:r>
+            <a:r>
+              <a:rPr lang="en-US" sz="1200" dirty="0" err="1">
+                <a:solidFill>
+                  <a:schemeClr val="tx1"/>
+                </a:solidFill>
+              </a:rPr>
+              <a:t>commandHandlerFactory.GetHandler</a:t>
+            </a:r>
+            <a:r>
+              <a:rPr lang="en-US" sz="1200" dirty="0">
+                <a:solidFill>
+                  <a:schemeClr val="tx1"/>
+                </a:solidFill>
+              </a:rPr>
+              <a:t>&lt;T&gt;();</a:t>
+            </a:r>
+          </a:p>
+          <a:p>
+            <a:r>
+              <a:rPr lang="en-US" sz="1200" dirty="0">
+                <a:solidFill>
+                  <a:schemeClr val="tx1"/>
+                </a:solidFill>
+              </a:rPr>
+              <a:t>            if (handler != null)</a:t>
+            </a:r>
+          </a:p>
+          <a:p>
+            <a:r>
+              <a:rPr lang="en-US" sz="1200" dirty="0">
+                <a:solidFill>
+                  <a:schemeClr val="tx1"/>
+                </a:solidFill>
+              </a:rPr>
+              <a:t>            {</a:t>
+            </a:r>
+          </a:p>
+          <a:p>
+            <a:r>
+              <a:rPr lang="en-US" sz="1200" dirty="0">
+                <a:solidFill>
+                  <a:schemeClr val="tx1"/>
+                </a:solidFill>
+              </a:rPr>
+              <a:t>                </a:t>
+            </a:r>
+            <a:r>
+              <a:rPr lang="en-US" sz="1200" b="1" dirty="0" err="1">
+                <a:solidFill>
+                  <a:schemeClr val="tx1"/>
+                </a:solidFill>
+              </a:rPr>
+              <a:t>handler.Execute</a:t>
+            </a:r>
+            <a:r>
+              <a:rPr lang="en-US" sz="1200" b="1" dirty="0">
+                <a:solidFill>
+                  <a:schemeClr val="tx1"/>
+                </a:solidFill>
+              </a:rPr>
+              <a:t>(command);</a:t>
+            </a:r>
+          </a:p>
+          <a:p>
+            <a:r>
+              <a:rPr lang="en-US" sz="1200" dirty="0">
+                <a:solidFill>
+                  <a:schemeClr val="tx1"/>
+                </a:solidFill>
+              </a:rPr>
+              <a:t>            }</a:t>
+            </a:r>
+          </a:p>
+          <a:p>
+            <a:r>
+              <a:rPr lang="en-US" sz="1200" dirty="0">
+                <a:solidFill>
+                  <a:schemeClr val="tx1"/>
+                </a:solidFill>
+              </a:rPr>
+              <a:t>            else</a:t>
+            </a:r>
+          </a:p>
+          <a:p>
+            <a:r>
+              <a:rPr lang="en-US" sz="1200" dirty="0">
+                <a:solidFill>
+                  <a:schemeClr val="tx1"/>
+                </a:solidFill>
+              </a:rPr>
+              <a:t>            {</a:t>
+            </a:r>
+          </a:p>
+          <a:p>
+            <a:r>
+              <a:rPr lang="en-US" sz="1200" dirty="0">
+                <a:solidFill>
+                  <a:schemeClr val="tx1"/>
+                </a:solidFill>
+              </a:rPr>
+              <a:t>                throw new </a:t>
+            </a:r>
+            <a:r>
+              <a:rPr lang="en-US" sz="1200" dirty="0" err="1">
+                <a:solidFill>
+                  <a:schemeClr val="tx1"/>
+                </a:solidFill>
+              </a:rPr>
+              <a:t>UnregisteredDomainCommandException</a:t>
+            </a:r>
+            <a:r>
+              <a:rPr lang="en-US" sz="1200" dirty="0">
+                <a:solidFill>
+                  <a:schemeClr val="tx1"/>
+                </a:solidFill>
+              </a:rPr>
+              <a:t>("no handler registered");</a:t>
+            </a:r>
+          </a:p>
+          <a:p>
+            <a:r>
+              <a:rPr lang="en-US" sz="1200" dirty="0">
+                <a:solidFill>
+                  <a:schemeClr val="tx1"/>
+                </a:solidFill>
+              </a:rPr>
+              <a:t>            }</a:t>
+            </a:r>
+          </a:p>
+          <a:p>
+            <a:r>
+              <a:rPr lang="en-US" sz="1200" dirty="0">
+                <a:solidFill>
+                  <a:schemeClr val="tx1"/>
+                </a:solidFill>
+              </a:rPr>
+              <a:t>        }        </a:t>
+            </a:r>
+          </a:p>
+          <a:p>
+            <a:r>
+              <a:rPr lang="en-US" sz="1200" dirty="0">
+                <a:solidFill>
+                  <a:schemeClr val="tx1"/>
+                </a:solidFill>
+              </a:rPr>
+              <a:t>    }</a:t>
+            </a:r>
+          </a:p>
+        </p:txBody>
+      </p:sp>
+      <p:sp>
+        <p:nvSpPr>
+          <p:cNvPr id="27" name="Rectangle 26">
+            <a:extLst>
+              <a:ext uri="{FF2B5EF4-FFF2-40B4-BE49-F238E27FC236}">
+                <a16:creationId xmlns:a16="http://schemas.microsoft.com/office/drawing/2014/main" id="{25983EF5-6DD6-4226-B064-D27A7A24198E}"/>
+              </a:ext>
+            </a:extLst>
+          </p:cNvPr>
+          <p:cNvSpPr/>
+          <p:nvPr/>
+        </p:nvSpPr>
+        <p:spPr>
+          <a:xfrm>
+            <a:off x="6535447" y="1396379"/>
+            <a:ext cx="5502674" cy="572799"/>
+          </a:xfrm>
+          <a:prstGeom prst="rect">
+            <a:avLst/>
+          </a:prstGeom>
+          <a:solidFill>
+            <a:schemeClr val="accent1">
+              <a:lumMod val="20000"/>
+              <a:lumOff val="80000"/>
+            </a:schemeClr>
+          </a:solidFill>
+        </p:spPr>
+        <p:style>
+          <a:lnRef idx="2">
+            <a:schemeClr val="accent1">
+              <a:shade val="50000"/>
+            </a:schemeClr>
+          </a:lnRef>
+          <a:fillRef idx="1">
+            <a:schemeClr val="accent1"/>
+          </a:fillRef>
+          <a:effectRef idx="0">
+            <a:schemeClr val="accent1"/>
+          </a:effectRef>
+          <a:fontRef idx="minor">
+            <a:schemeClr val="lt1"/>
+          </a:fontRef>
+        </p:style>
+        <p:txBody>
+          <a:bodyPr rtlCol="0" anchor="ctr"/>
+          <a:lstStyle/>
+          <a:p>
+            <a:pPr algn="ctr"/>
+            <a:r>
+              <a:rPr lang="en-US" sz="1200" dirty="0">
+                <a:solidFill>
+                  <a:schemeClr val="tx1"/>
+                </a:solidFill>
+              </a:rPr>
+              <a:t> </a:t>
+            </a:r>
+            <a:r>
+              <a:rPr lang="en-US" sz="1200" dirty="0" err="1">
+                <a:solidFill>
+                  <a:schemeClr val="tx1"/>
+                </a:solidFill>
+              </a:rPr>
+              <a:t>x.For</a:t>
+            </a:r>
+            <a:r>
+              <a:rPr lang="en-US" sz="1200" dirty="0">
+                <a:solidFill>
+                  <a:schemeClr val="tx1"/>
+                </a:solidFill>
+              </a:rPr>
+              <a:t>&lt;</a:t>
+            </a:r>
+            <a:r>
+              <a:rPr lang="en-US" sz="1200" dirty="0" err="1">
+                <a:solidFill>
+                  <a:schemeClr val="tx1"/>
+                </a:solidFill>
+              </a:rPr>
+              <a:t>ICommandHandlerFactory</a:t>
+            </a:r>
+            <a:r>
+              <a:rPr lang="en-US" sz="1200" dirty="0">
+                <a:solidFill>
+                  <a:schemeClr val="tx1"/>
+                </a:solidFill>
+              </a:rPr>
+              <a:t>&gt;().Use&lt;</a:t>
+            </a:r>
+            <a:r>
+              <a:rPr lang="en-US" sz="1200" dirty="0" err="1">
+                <a:solidFill>
+                  <a:schemeClr val="tx1"/>
+                </a:solidFill>
+              </a:rPr>
+              <a:t>StructureMapCommandHandlerFactory</a:t>
+            </a:r>
+            <a:r>
+              <a:rPr lang="en-US" sz="1200" dirty="0">
+                <a:solidFill>
+                  <a:schemeClr val="tx1"/>
+                </a:solidFill>
+              </a:rPr>
+              <a:t>&gt;();</a:t>
+            </a:r>
+          </a:p>
+        </p:txBody>
+      </p:sp>
+      <p:cxnSp>
+        <p:nvCxnSpPr>
+          <p:cNvPr id="15" name="Straight Arrow Connector 14">
+            <a:extLst>
+              <a:ext uri="{FF2B5EF4-FFF2-40B4-BE49-F238E27FC236}">
+                <a16:creationId xmlns:a16="http://schemas.microsoft.com/office/drawing/2014/main" id="{7B8A0B7A-10D8-4290-B351-AE74865B3AA8}"/>
+              </a:ext>
+            </a:extLst>
+          </p:cNvPr>
+          <p:cNvCxnSpPr>
+            <a:stCxn id="20" idx="2"/>
+          </p:cNvCxnSpPr>
+          <p:nvPr/>
+        </p:nvCxnSpPr>
+        <p:spPr>
+          <a:xfrm flipH="1">
+            <a:off x="3124940" y="1274859"/>
+            <a:ext cx="2006352" cy="214804"/>
+          </a:xfrm>
+          <a:prstGeom prst="straightConnector1">
+            <a:avLst/>
+          </a:prstGeom>
+          <a:ln>
+            <a:tailEnd type="triangle"/>
+          </a:ln>
+        </p:spPr>
+        <p:style>
+          <a:lnRef idx="1">
+            <a:schemeClr val="accent1"/>
+          </a:lnRef>
+          <a:fillRef idx="0">
+            <a:schemeClr val="accent1"/>
+          </a:fillRef>
+          <a:effectRef idx="0">
+            <a:schemeClr val="accent1"/>
+          </a:effectRef>
+          <a:fontRef idx="minor">
+            <a:schemeClr val="tx1"/>
+          </a:fontRef>
+        </p:style>
+      </p:cxnSp>
+      <p:cxnSp>
+        <p:nvCxnSpPr>
+          <p:cNvPr id="28" name="Straight Arrow Connector 27">
+            <a:extLst>
+              <a:ext uri="{FF2B5EF4-FFF2-40B4-BE49-F238E27FC236}">
+                <a16:creationId xmlns:a16="http://schemas.microsoft.com/office/drawing/2014/main" id="{D9A55A37-DDDF-4A23-9952-54D6251B7464}"/>
+              </a:ext>
+            </a:extLst>
+          </p:cNvPr>
+          <p:cNvCxnSpPr>
+            <a:stCxn id="12" idx="2"/>
+            <a:endCxn id="23" idx="0"/>
+          </p:cNvCxnSpPr>
+          <p:nvPr/>
+        </p:nvCxnSpPr>
+        <p:spPr>
+          <a:xfrm>
+            <a:off x="2999911" y="2062462"/>
+            <a:ext cx="10361" cy="147771"/>
+          </a:xfrm>
+          <a:prstGeom prst="straightConnector1">
+            <a:avLst/>
+          </a:prstGeom>
+          <a:ln>
+            <a:tailEnd type="triangle"/>
+          </a:ln>
+        </p:spPr>
+        <p:style>
+          <a:lnRef idx="1">
+            <a:schemeClr val="accent1"/>
+          </a:lnRef>
+          <a:fillRef idx="0">
+            <a:schemeClr val="accent1"/>
+          </a:fillRef>
+          <a:effectRef idx="0">
+            <a:schemeClr val="accent1"/>
+          </a:effectRef>
+          <a:fontRef idx="minor">
+            <a:schemeClr val="tx1"/>
+          </a:fontRef>
+        </p:style>
+      </p:cxnSp>
+      <p:cxnSp>
+        <p:nvCxnSpPr>
+          <p:cNvPr id="30" name="Connector: Elbow 29">
+            <a:extLst>
+              <a:ext uri="{FF2B5EF4-FFF2-40B4-BE49-F238E27FC236}">
+                <a16:creationId xmlns:a16="http://schemas.microsoft.com/office/drawing/2014/main" id="{9FEFF7ED-5D47-423F-BE6D-D258FF08CDCE}"/>
+              </a:ext>
+            </a:extLst>
+          </p:cNvPr>
+          <p:cNvCxnSpPr>
+            <a:cxnSpLocks/>
+            <a:stCxn id="23" idx="3"/>
+            <a:endCxn id="27" idx="1"/>
+          </p:cNvCxnSpPr>
+          <p:nvPr/>
+        </p:nvCxnSpPr>
+        <p:spPr>
+          <a:xfrm flipV="1">
+            <a:off x="5761609" y="1682779"/>
+            <a:ext cx="773838" cy="2841354"/>
+          </a:xfrm>
+          <a:prstGeom prst="bentConnector3">
+            <a:avLst/>
+          </a:prstGeom>
+          <a:ln>
+            <a:tailEnd type="triangle"/>
+          </a:ln>
+        </p:spPr>
+        <p:style>
+          <a:lnRef idx="1">
+            <a:schemeClr val="accent1"/>
+          </a:lnRef>
+          <a:fillRef idx="0">
+            <a:schemeClr val="accent1"/>
+          </a:fillRef>
+          <a:effectRef idx="0">
+            <a:schemeClr val="accent1"/>
+          </a:effectRef>
+          <a:fontRef idx="minor">
+            <a:schemeClr val="tx1"/>
+          </a:fontRef>
+        </p:style>
+      </p:cxnSp>
+      <p:sp>
+        <p:nvSpPr>
+          <p:cNvPr id="35" name="Rectangle 34">
+            <a:extLst>
+              <a:ext uri="{FF2B5EF4-FFF2-40B4-BE49-F238E27FC236}">
+                <a16:creationId xmlns:a16="http://schemas.microsoft.com/office/drawing/2014/main" id="{56C18F97-3594-4320-BDAE-C86C7C2D21B3}"/>
+              </a:ext>
+            </a:extLst>
+          </p:cNvPr>
+          <p:cNvSpPr/>
+          <p:nvPr/>
+        </p:nvSpPr>
+        <p:spPr>
+          <a:xfrm>
+            <a:off x="6545808" y="2094801"/>
+            <a:ext cx="5502674" cy="5193766"/>
+          </a:xfrm>
+          <a:prstGeom prst="rect">
+            <a:avLst/>
+          </a:prstGeom>
+          <a:solidFill>
+            <a:schemeClr val="accent1">
+              <a:lumMod val="20000"/>
+              <a:lumOff val="80000"/>
+            </a:schemeClr>
+          </a:solidFill>
+        </p:spPr>
+        <p:style>
+          <a:lnRef idx="2">
+            <a:schemeClr val="accent1">
+              <a:shade val="50000"/>
+            </a:schemeClr>
+          </a:lnRef>
+          <a:fillRef idx="1">
+            <a:schemeClr val="accent1"/>
+          </a:fillRef>
+          <a:effectRef idx="0">
+            <a:schemeClr val="accent1"/>
+          </a:effectRef>
+          <a:fontRef idx="minor">
+            <a:schemeClr val="lt1"/>
+          </a:fontRef>
+        </p:style>
+        <p:txBody>
+          <a:bodyPr rtlCol="0" anchor="ctr"/>
+          <a:lstStyle/>
+          <a:p>
+            <a:r>
+              <a:rPr lang="en-US" sz="1200" dirty="0">
+                <a:solidFill>
+                  <a:schemeClr val="tx1"/>
+                </a:solidFill>
+              </a:rPr>
+              <a:t> public class </a:t>
+            </a:r>
+            <a:r>
+              <a:rPr lang="en-US" sz="1200" dirty="0" err="1">
+                <a:solidFill>
+                  <a:schemeClr val="tx1"/>
+                </a:solidFill>
+              </a:rPr>
+              <a:t>StructureMapCommandHandlerFactory</a:t>
+            </a:r>
+            <a:r>
+              <a:rPr lang="en-US" sz="1200" dirty="0">
+                <a:solidFill>
+                  <a:schemeClr val="tx1"/>
+                </a:solidFill>
+              </a:rPr>
+              <a:t> : </a:t>
+            </a:r>
+            <a:r>
+              <a:rPr lang="en-US" sz="1200" dirty="0" err="1">
+                <a:solidFill>
+                  <a:schemeClr val="tx1"/>
+                </a:solidFill>
+              </a:rPr>
+              <a:t>ICommandHandlerFactory</a:t>
+            </a:r>
+            <a:endParaRPr lang="en-US" sz="1200" dirty="0">
+              <a:solidFill>
+                <a:schemeClr val="tx1"/>
+              </a:solidFill>
+            </a:endParaRPr>
+          </a:p>
+          <a:p>
+            <a:r>
+              <a:rPr lang="en-US" sz="1200" dirty="0">
+                <a:solidFill>
+                  <a:schemeClr val="tx1"/>
+                </a:solidFill>
+              </a:rPr>
+              <a:t>    {</a:t>
+            </a:r>
+          </a:p>
+          <a:p>
+            <a:r>
+              <a:rPr lang="en-US" sz="1200" dirty="0">
+                <a:solidFill>
+                  <a:schemeClr val="tx1"/>
+                </a:solidFill>
+              </a:rPr>
+              <a:t>        public </a:t>
+            </a:r>
+            <a:r>
+              <a:rPr lang="en-US" sz="1200" dirty="0" err="1">
+                <a:solidFill>
+                  <a:schemeClr val="tx1"/>
+                </a:solidFill>
+              </a:rPr>
+              <a:t>ICommandHandler</a:t>
+            </a:r>
+            <a:r>
+              <a:rPr lang="en-US" sz="1200" dirty="0">
+                <a:solidFill>
+                  <a:schemeClr val="tx1"/>
+                </a:solidFill>
+              </a:rPr>
+              <a:t>&lt;T&gt; </a:t>
+            </a:r>
+            <a:r>
+              <a:rPr lang="en-US" sz="1200" dirty="0" err="1">
+                <a:solidFill>
+                  <a:srgbClr val="92D050"/>
+                </a:solidFill>
+              </a:rPr>
+              <a:t>GetHandler</a:t>
+            </a:r>
+            <a:r>
+              <a:rPr lang="en-US" sz="1200" dirty="0">
+                <a:solidFill>
+                  <a:schemeClr val="tx1"/>
+                </a:solidFill>
+              </a:rPr>
+              <a:t>&lt;T&gt;() where T : Command</a:t>
+            </a:r>
+          </a:p>
+          <a:p>
+            <a:r>
+              <a:rPr lang="en-US" sz="1200" dirty="0">
+                <a:solidFill>
+                  <a:schemeClr val="tx1"/>
+                </a:solidFill>
+              </a:rPr>
+              <a:t>        {</a:t>
+            </a:r>
+          </a:p>
+          <a:p>
+            <a:r>
+              <a:rPr lang="en-US" sz="1200" dirty="0">
+                <a:solidFill>
+                  <a:schemeClr val="tx1"/>
+                </a:solidFill>
+              </a:rPr>
+              <a:t>            var handlers = </a:t>
+            </a:r>
+            <a:r>
+              <a:rPr lang="en-US" sz="1200" dirty="0" err="1">
+                <a:solidFill>
+                  <a:schemeClr val="tx1"/>
+                </a:solidFill>
+              </a:rPr>
+              <a:t>GetHandlerTypes</a:t>
+            </a:r>
+            <a:r>
+              <a:rPr lang="en-US" sz="1200" dirty="0">
+                <a:solidFill>
+                  <a:schemeClr val="tx1"/>
+                </a:solidFill>
+              </a:rPr>
+              <a:t>&lt;T&gt;().</a:t>
+            </a:r>
+            <a:r>
+              <a:rPr lang="en-US" sz="1200" dirty="0" err="1">
+                <a:solidFill>
+                  <a:schemeClr val="tx1"/>
+                </a:solidFill>
+              </a:rPr>
+              <a:t>ToList</a:t>
+            </a:r>
+            <a:r>
+              <a:rPr lang="en-US" sz="1200" dirty="0">
+                <a:solidFill>
+                  <a:schemeClr val="tx1"/>
+                </a:solidFill>
+              </a:rPr>
+              <a:t>();</a:t>
+            </a:r>
+          </a:p>
+          <a:p>
+            <a:endParaRPr lang="en-US" sz="1200" dirty="0">
+              <a:solidFill>
+                <a:schemeClr val="tx1"/>
+              </a:solidFill>
+            </a:endParaRPr>
+          </a:p>
+          <a:p>
+            <a:r>
+              <a:rPr lang="en-US" sz="1200" dirty="0">
+                <a:solidFill>
+                  <a:schemeClr val="tx1"/>
+                </a:solidFill>
+              </a:rPr>
+              <a:t>            var </a:t>
+            </a:r>
+            <a:r>
+              <a:rPr lang="en-US" sz="1200" dirty="0" err="1">
+                <a:solidFill>
+                  <a:schemeClr val="tx1"/>
+                </a:solidFill>
+              </a:rPr>
+              <a:t>cmdHandler</a:t>
+            </a:r>
+            <a:r>
+              <a:rPr lang="en-US" sz="1200" dirty="0">
+                <a:solidFill>
+                  <a:schemeClr val="tx1"/>
+                </a:solidFill>
+              </a:rPr>
+              <a:t> = </a:t>
+            </a:r>
+            <a:r>
+              <a:rPr lang="en-US" sz="1200" dirty="0" err="1">
+                <a:solidFill>
+                  <a:schemeClr val="tx1"/>
+                </a:solidFill>
+              </a:rPr>
+              <a:t>handlers.Select</a:t>
+            </a:r>
+            <a:r>
+              <a:rPr lang="en-US" sz="1200" dirty="0">
+                <a:solidFill>
+                  <a:schemeClr val="tx1"/>
+                </a:solidFill>
+              </a:rPr>
+              <a:t>(handler =&gt; </a:t>
+            </a:r>
+          </a:p>
+          <a:p>
+            <a:r>
+              <a:rPr lang="en-US" sz="1200" dirty="0">
+                <a:solidFill>
+                  <a:schemeClr val="tx1"/>
+                </a:solidFill>
+              </a:rPr>
+              <a:t>                (</a:t>
+            </a:r>
+            <a:r>
+              <a:rPr lang="en-US" sz="1200" dirty="0" err="1">
+                <a:solidFill>
+                  <a:schemeClr val="tx1"/>
+                </a:solidFill>
+              </a:rPr>
+              <a:t>ICommandHandler</a:t>
+            </a:r>
+            <a:r>
+              <a:rPr lang="en-US" sz="1200" dirty="0">
+                <a:solidFill>
+                  <a:schemeClr val="tx1"/>
+                </a:solidFill>
+              </a:rPr>
+              <a:t>&lt;T&gt;)</a:t>
+            </a:r>
+            <a:r>
+              <a:rPr lang="en-US" sz="1200" dirty="0" err="1">
+                <a:solidFill>
+                  <a:schemeClr val="tx1"/>
+                </a:solidFill>
+              </a:rPr>
+              <a:t>ObjectFactory.GetInstance</a:t>
+            </a:r>
+            <a:r>
+              <a:rPr lang="en-US" sz="1200" dirty="0">
+                <a:solidFill>
+                  <a:schemeClr val="tx1"/>
+                </a:solidFill>
+              </a:rPr>
+              <a:t>(handler)).</a:t>
+            </a:r>
+            <a:r>
+              <a:rPr lang="en-US" sz="1200" dirty="0" err="1">
+                <a:solidFill>
+                  <a:schemeClr val="tx1"/>
+                </a:solidFill>
+              </a:rPr>
+              <a:t>FirstOrDefault</a:t>
+            </a:r>
+            <a:r>
+              <a:rPr lang="en-US" sz="1200" dirty="0">
+                <a:solidFill>
+                  <a:schemeClr val="tx1"/>
+                </a:solidFill>
+              </a:rPr>
+              <a:t>();</a:t>
+            </a:r>
+          </a:p>
+          <a:p>
+            <a:r>
+              <a:rPr lang="en-US" sz="1200" dirty="0">
+                <a:solidFill>
+                  <a:schemeClr val="tx1"/>
+                </a:solidFill>
+              </a:rPr>
+              <a:t>            </a:t>
+            </a:r>
+          </a:p>
+          <a:p>
+            <a:r>
+              <a:rPr lang="en-US" sz="1200" dirty="0">
+                <a:solidFill>
+                  <a:schemeClr val="tx1"/>
+                </a:solidFill>
+              </a:rPr>
+              <a:t>            return </a:t>
+            </a:r>
+            <a:r>
+              <a:rPr lang="en-US" sz="1200" dirty="0" err="1">
+                <a:solidFill>
+                  <a:schemeClr val="tx1"/>
+                </a:solidFill>
+              </a:rPr>
+              <a:t>cmdHandler</a:t>
+            </a:r>
+            <a:r>
+              <a:rPr lang="en-US" sz="1200" dirty="0">
+                <a:solidFill>
+                  <a:schemeClr val="tx1"/>
+                </a:solidFill>
+              </a:rPr>
+              <a:t>;</a:t>
+            </a:r>
+          </a:p>
+          <a:p>
+            <a:r>
+              <a:rPr lang="en-US" sz="1200" dirty="0">
+                <a:solidFill>
+                  <a:schemeClr val="tx1"/>
+                </a:solidFill>
+              </a:rPr>
+              <a:t>        }</a:t>
+            </a:r>
+          </a:p>
+          <a:p>
+            <a:r>
+              <a:rPr lang="en-US" sz="1200" dirty="0">
+                <a:solidFill>
+                  <a:schemeClr val="tx1"/>
+                </a:solidFill>
+              </a:rPr>
+              <a:t>        </a:t>
+            </a:r>
+          </a:p>
+          <a:p>
+            <a:r>
+              <a:rPr lang="en-US" sz="1200" dirty="0">
+                <a:solidFill>
+                  <a:schemeClr val="tx1"/>
+                </a:solidFill>
+              </a:rPr>
+              <a:t>        private </a:t>
+            </a:r>
+            <a:r>
+              <a:rPr lang="en-US" sz="1200" dirty="0" err="1">
+                <a:solidFill>
+                  <a:schemeClr val="tx1"/>
+                </a:solidFill>
+              </a:rPr>
+              <a:t>IEnumerable</a:t>
+            </a:r>
+            <a:r>
+              <a:rPr lang="en-US" sz="1200" dirty="0">
+                <a:solidFill>
+                  <a:schemeClr val="tx1"/>
+                </a:solidFill>
+              </a:rPr>
+              <a:t>&lt;Type&gt; </a:t>
+            </a:r>
+            <a:r>
+              <a:rPr lang="en-US" sz="1200" dirty="0" err="1">
+                <a:solidFill>
+                  <a:schemeClr val="tx1"/>
+                </a:solidFill>
+              </a:rPr>
+              <a:t>GetHandlerTypes</a:t>
+            </a:r>
+            <a:r>
+              <a:rPr lang="en-US" sz="1200" dirty="0">
+                <a:solidFill>
+                  <a:schemeClr val="tx1"/>
+                </a:solidFill>
+              </a:rPr>
+              <a:t>&lt;T&gt;() where T : Command</a:t>
+            </a:r>
+          </a:p>
+          <a:p>
+            <a:r>
+              <a:rPr lang="en-US" sz="1200" dirty="0">
+                <a:solidFill>
+                  <a:schemeClr val="tx1"/>
+                </a:solidFill>
+              </a:rPr>
+              <a:t>        {</a:t>
+            </a:r>
+          </a:p>
+          <a:p>
+            <a:r>
+              <a:rPr lang="en-US" sz="1200" dirty="0">
+                <a:solidFill>
+                  <a:schemeClr val="tx1"/>
+                </a:solidFill>
+              </a:rPr>
+              <a:t>            var handlers = </a:t>
+            </a:r>
+            <a:r>
+              <a:rPr lang="en-US" sz="1200" dirty="0" err="1">
+                <a:solidFill>
+                  <a:schemeClr val="tx1"/>
+                </a:solidFill>
+              </a:rPr>
+              <a:t>typeof</a:t>
+            </a:r>
+            <a:r>
+              <a:rPr lang="en-US" sz="1200" dirty="0">
+                <a:solidFill>
+                  <a:schemeClr val="tx1"/>
+                </a:solidFill>
+              </a:rPr>
+              <a:t>(</a:t>
+            </a:r>
+            <a:r>
+              <a:rPr lang="en-US" sz="1200" dirty="0" err="1">
+                <a:solidFill>
+                  <a:schemeClr val="tx1"/>
+                </a:solidFill>
+              </a:rPr>
+              <a:t>ICommandHandler</a:t>
+            </a:r>
+            <a:r>
+              <a:rPr lang="en-US" sz="1200" dirty="0">
+                <a:solidFill>
+                  <a:schemeClr val="tx1"/>
+                </a:solidFill>
+              </a:rPr>
+              <a:t>&lt;&gt;).</a:t>
+            </a:r>
+            <a:r>
+              <a:rPr lang="en-US" sz="1200" dirty="0" err="1">
+                <a:solidFill>
+                  <a:schemeClr val="tx1"/>
+                </a:solidFill>
+              </a:rPr>
+              <a:t>Assembly.GetExportedTypes</a:t>
+            </a:r>
+            <a:r>
+              <a:rPr lang="en-US" sz="1200" dirty="0">
+                <a:solidFill>
+                  <a:schemeClr val="tx1"/>
+                </a:solidFill>
+              </a:rPr>
+              <a:t>()</a:t>
+            </a:r>
+          </a:p>
+          <a:p>
+            <a:r>
+              <a:rPr lang="en-US" sz="1200" dirty="0">
+                <a:solidFill>
+                  <a:schemeClr val="tx1"/>
+                </a:solidFill>
+              </a:rPr>
+              <a:t>                .Where(x =&gt; </a:t>
+            </a:r>
+            <a:r>
+              <a:rPr lang="en-US" sz="1200" dirty="0" err="1">
+                <a:solidFill>
+                  <a:schemeClr val="tx1"/>
+                </a:solidFill>
+              </a:rPr>
+              <a:t>x.GetInterfaces</a:t>
+            </a:r>
+            <a:r>
+              <a:rPr lang="en-US" sz="1200" dirty="0">
+                <a:solidFill>
+                  <a:schemeClr val="tx1"/>
+                </a:solidFill>
+              </a:rPr>
+              <a:t>()</a:t>
+            </a:r>
+          </a:p>
+          <a:p>
+            <a:r>
+              <a:rPr lang="en-US" sz="1200" dirty="0">
+                <a:solidFill>
+                  <a:schemeClr val="tx1"/>
+                </a:solidFill>
+              </a:rPr>
+              <a:t>                    .Any(a =&gt; </a:t>
+            </a:r>
+            <a:r>
+              <a:rPr lang="en-US" sz="1200" dirty="0" err="1">
+                <a:solidFill>
+                  <a:schemeClr val="tx1"/>
+                </a:solidFill>
+              </a:rPr>
+              <a:t>a.IsGenericType</a:t>
+            </a:r>
+            <a:r>
+              <a:rPr lang="en-US" sz="1200" dirty="0">
+                <a:solidFill>
+                  <a:schemeClr val="tx1"/>
+                </a:solidFill>
+              </a:rPr>
+              <a:t> &amp;&amp; </a:t>
+            </a:r>
+            <a:r>
+              <a:rPr lang="en-US" sz="1200" dirty="0" err="1">
+                <a:solidFill>
+                  <a:schemeClr val="tx1"/>
+                </a:solidFill>
+              </a:rPr>
+              <a:t>a.GetGenericTypeDefinition</a:t>
+            </a:r>
+            <a:r>
+              <a:rPr lang="en-US" sz="1200" dirty="0">
+                <a:solidFill>
+                  <a:schemeClr val="tx1"/>
+                </a:solidFill>
+              </a:rPr>
+              <a:t>() == </a:t>
+            </a:r>
+            <a:r>
+              <a:rPr lang="en-US" sz="1200" dirty="0" err="1">
+                <a:solidFill>
+                  <a:schemeClr val="tx1"/>
+                </a:solidFill>
+              </a:rPr>
+              <a:t>typeof</a:t>
+            </a:r>
+            <a:r>
+              <a:rPr lang="en-US" sz="1200" dirty="0">
+                <a:solidFill>
+                  <a:schemeClr val="tx1"/>
+                </a:solidFill>
+              </a:rPr>
+              <a:t>(</a:t>
+            </a:r>
+            <a:r>
+              <a:rPr lang="en-US" sz="1200" dirty="0" err="1">
+                <a:solidFill>
+                  <a:schemeClr val="tx1"/>
+                </a:solidFill>
+              </a:rPr>
+              <a:t>ICommandHandler</a:t>
+            </a:r>
+            <a:r>
+              <a:rPr lang="en-US" sz="1200" dirty="0">
+                <a:solidFill>
+                  <a:schemeClr val="tx1"/>
+                </a:solidFill>
+              </a:rPr>
+              <a:t>&lt;&gt;) ))</a:t>
+            </a:r>
+          </a:p>
+          <a:p>
+            <a:r>
+              <a:rPr lang="en-US" sz="1200" dirty="0">
+                <a:solidFill>
+                  <a:schemeClr val="tx1"/>
+                </a:solidFill>
+              </a:rPr>
+              <a:t>                    .Where(h=&gt;</a:t>
+            </a:r>
+            <a:r>
+              <a:rPr lang="en-US" sz="1200" dirty="0" err="1">
+                <a:solidFill>
+                  <a:schemeClr val="tx1"/>
+                </a:solidFill>
+              </a:rPr>
+              <a:t>h.GetInterfaces</a:t>
+            </a:r>
+            <a:r>
+              <a:rPr lang="en-US" sz="1200" dirty="0">
+                <a:solidFill>
+                  <a:schemeClr val="tx1"/>
+                </a:solidFill>
+              </a:rPr>
+              <a:t>()</a:t>
+            </a:r>
+          </a:p>
+          <a:p>
+            <a:r>
+              <a:rPr lang="en-US" sz="1200" dirty="0">
+                <a:solidFill>
+                  <a:schemeClr val="tx1"/>
+                </a:solidFill>
+              </a:rPr>
+              <a:t>                        .Any(ii=&gt;</a:t>
+            </a:r>
+            <a:r>
+              <a:rPr lang="en-US" sz="1200" dirty="0" err="1">
+                <a:solidFill>
+                  <a:schemeClr val="tx1"/>
+                </a:solidFill>
+              </a:rPr>
+              <a:t>ii.GetGenericArguments</a:t>
+            </a:r>
+            <a:r>
+              <a:rPr lang="en-US" sz="1200" dirty="0">
+                <a:solidFill>
+                  <a:schemeClr val="tx1"/>
+                </a:solidFill>
+              </a:rPr>
+              <a:t>()</a:t>
+            </a:r>
+          </a:p>
+          <a:p>
+            <a:r>
+              <a:rPr lang="en-US" sz="1200" dirty="0">
+                <a:solidFill>
+                  <a:schemeClr val="tx1"/>
+                </a:solidFill>
+              </a:rPr>
+              <a:t>                            .Any(aa=&gt;aa==</a:t>
+            </a:r>
+            <a:r>
+              <a:rPr lang="en-US" sz="1200" dirty="0" err="1">
+                <a:solidFill>
+                  <a:schemeClr val="tx1"/>
+                </a:solidFill>
+              </a:rPr>
+              <a:t>typeof</a:t>
+            </a:r>
+            <a:r>
+              <a:rPr lang="en-US" sz="1200" dirty="0">
+                <a:solidFill>
+                  <a:schemeClr val="tx1"/>
+                </a:solidFill>
+              </a:rPr>
+              <a:t>(T)))).</a:t>
+            </a:r>
+            <a:r>
+              <a:rPr lang="en-US" sz="1200" dirty="0" err="1">
+                <a:solidFill>
+                  <a:schemeClr val="tx1"/>
+                </a:solidFill>
+              </a:rPr>
+              <a:t>ToList</a:t>
+            </a:r>
+            <a:r>
+              <a:rPr lang="en-US" sz="1200" dirty="0">
+                <a:solidFill>
+                  <a:schemeClr val="tx1"/>
+                </a:solidFill>
+              </a:rPr>
+              <a:t>();</a:t>
+            </a:r>
+          </a:p>
+          <a:p>
+            <a:endParaRPr lang="en-US" sz="1200" dirty="0">
+              <a:solidFill>
+                <a:schemeClr val="tx1"/>
+              </a:solidFill>
+            </a:endParaRPr>
+          </a:p>
+          <a:p>
+            <a:r>
+              <a:rPr lang="en-US" sz="1200" dirty="0">
+                <a:solidFill>
+                  <a:schemeClr val="tx1"/>
+                </a:solidFill>
+              </a:rPr>
+              <a:t>           </a:t>
+            </a:r>
+          </a:p>
+          <a:p>
+            <a:r>
+              <a:rPr lang="en-US" sz="1200" dirty="0">
+                <a:solidFill>
+                  <a:schemeClr val="tx1"/>
+                </a:solidFill>
+              </a:rPr>
+              <a:t>            return handlers;</a:t>
+            </a:r>
+          </a:p>
+          <a:p>
+            <a:r>
+              <a:rPr lang="en-US" sz="1200" dirty="0">
+                <a:solidFill>
+                  <a:schemeClr val="tx1"/>
+                </a:solidFill>
+              </a:rPr>
+              <a:t>        }</a:t>
+            </a:r>
+          </a:p>
+          <a:p>
+            <a:endParaRPr lang="en-US" sz="1200" dirty="0">
+              <a:solidFill>
+                <a:schemeClr val="tx1"/>
+              </a:solidFill>
+            </a:endParaRPr>
+          </a:p>
+          <a:p>
+            <a:r>
+              <a:rPr lang="en-US" sz="1200" dirty="0">
+                <a:solidFill>
+                  <a:schemeClr val="tx1"/>
+                </a:solidFill>
+              </a:rPr>
+              <a:t>    }</a:t>
+            </a:r>
+          </a:p>
+        </p:txBody>
+      </p:sp>
+    </p:spTree>
+    <p:extLst>
+      <p:ext uri="{BB962C8B-B14F-4D97-AF65-F5344CB8AC3E}">
+        <p14:creationId xmlns:p14="http://schemas.microsoft.com/office/powerpoint/2010/main" val="4105968805"/>
+      </p:ext>
+    </p:extLst>
+  </p:cSld>
+  <p:clrMapOvr>
+    <a:masterClrMapping/>
+  </p:clrMapOvr>
+</p:sld>
+</file>
+
+<file path=ppt/slides/slide8.xml><?xml version="1.0" encoding="utf-8"?>
+<p:sld xmlns:a="http://schemas.openxmlformats.org/drawingml/2006/main" xmlns:r="http://schemas.openxmlformats.org/officeDocument/2006/relationships" xmlns:p="http://schemas.openxmlformats.org/presentationml/2006/main">
+  <p:cSld>
+    <p:spTree>
+      <p:nvGrpSpPr>
+        <p:cNvPr id="1" name=""/>
+        <p:cNvGrpSpPr/>
+        <p:nvPr/>
+      </p:nvGrpSpPr>
+      <p:grpSpPr>
+        <a:xfrm>
+          <a:off x="0" y="0"/>
+          <a:ext cx="0" cy="0"/>
+          <a:chOff x="0" y="0"/>
+          <a:chExt cx="0" cy="0"/>
+        </a:xfrm>
+      </p:grpSpPr>
+      <p:sp>
+        <p:nvSpPr>
+          <p:cNvPr id="17" name="Rectangle 16">
+            <a:extLst>
+              <a:ext uri="{FF2B5EF4-FFF2-40B4-BE49-F238E27FC236}">
+                <a16:creationId xmlns:a16="http://schemas.microsoft.com/office/drawing/2014/main" id="{86F0159E-1304-4F4A-BF29-70E3CDBB75ED}"/>
+              </a:ext>
+            </a:extLst>
+          </p:cNvPr>
+          <p:cNvSpPr/>
+          <p:nvPr/>
+        </p:nvSpPr>
+        <p:spPr>
+          <a:xfrm>
+            <a:off x="248573" y="702058"/>
+            <a:ext cx="3000654" cy="1712667"/>
+          </a:xfrm>
+          <a:prstGeom prst="rect">
+            <a:avLst/>
+          </a:prstGeom>
+          <a:solidFill>
+            <a:schemeClr val="accent1">
+              <a:lumMod val="20000"/>
+              <a:lumOff val="80000"/>
+            </a:schemeClr>
+          </a:solidFill>
+        </p:spPr>
+        <p:style>
+          <a:lnRef idx="2">
+            <a:schemeClr val="accent1">
+              <a:shade val="50000"/>
+            </a:schemeClr>
+          </a:lnRef>
+          <a:fillRef idx="1">
+            <a:schemeClr val="accent1"/>
+          </a:fillRef>
+          <a:effectRef idx="0">
+            <a:schemeClr val="accent1"/>
+          </a:effectRef>
+          <a:fontRef idx="minor">
+            <a:schemeClr val="lt1"/>
+          </a:fontRef>
+        </p:style>
+        <p:txBody>
+          <a:bodyPr rtlCol="0" anchor="ctr"/>
+          <a:lstStyle/>
+          <a:p>
+            <a:r>
+              <a:rPr lang="en-US" sz="1200" dirty="0">
+                <a:solidFill>
+                  <a:schemeClr val="tx1"/>
+                </a:solidFill>
+              </a:rPr>
+              <a:t> public interface </a:t>
+            </a:r>
+            <a:r>
+              <a:rPr lang="en-US" sz="1200" dirty="0" err="1">
+                <a:solidFill>
+                  <a:srgbClr val="00B050"/>
+                </a:solidFill>
+              </a:rPr>
+              <a:t>ICommand</a:t>
+            </a:r>
+            <a:endParaRPr lang="en-US" sz="1200" dirty="0">
+              <a:solidFill>
+                <a:srgbClr val="00B050"/>
+              </a:solidFill>
+            </a:endParaRPr>
+          </a:p>
+          <a:p>
+            <a:r>
+              <a:rPr lang="en-US" sz="1200" dirty="0">
+                <a:solidFill>
+                  <a:schemeClr val="tx1"/>
+                </a:solidFill>
+              </a:rPr>
+              <a:t>    {</a:t>
+            </a:r>
+          </a:p>
+          <a:p>
+            <a:r>
+              <a:rPr lang="en-US" sz="1200" dirty="0">
+                <a:solidFill>
+                  <a:schemeClr val="tx1"/>
+                </a:solidFill>
+              </a:rPr>
+              <a:t>        </a:t>
+            </a:r>
+            <a:r>
+              <a:rPr lang="en-US" sz="1200" dirty="0" err="1">
+                <a:solidFill>
+                  <a:schemeClr val="tx1"/>
+                </a:solidFill>
+              </a:rPr>
+              <a:t>Guid</a:t>
+            </a:r>
+            <a:r>
+              <a:rPr lang="en-US" sz="1200" dirty="0">
+                <a:solidFill>
+                  <a:schemeClr val="tx1"/>
+                </a:solidFill>
+              </a:rPr>
+              <a:t> Id { get; }</a:t>
+            </a:r>
+          </a:p>
+          <a:p>
+            <a:r>
+              <a:rPr lang="en-US" sz="1200" dirty="0">
+                <a:solidFill>
+                  <a:schemeClr val="tx1"/>
+                </a:solidFill>
+              </a:rPr>
+              <a:t>    }</a:t>
+            </a:r>
+          </a:p>
+        </p:txBody>
+      </p:sp>
+      <p:sp>
+        <p:nvSpPr>
+          <p:cNvPr id="18" name="Rectangle 17">
+            <a:extLst>
+              <a:ext uri="{FF2B5EF4-FFF2-40B4-BE49-F238E27FC236}">
+                <a16:creationId xmlns:a16="http://schemas.microsoft.com/office/drawing/2014/main" id="{8D15A37A-C824-4596-9BA7-97F9D15EC706}"/>
+              </a:ext>
+            </a:extLst>
+          </p:cNvPr>
+          <p:cNvSpPr/>
+          <p:nvPr/>
+        </p:nvSpPr>
+        <p:spPr>
+          <a:xfrm>
+            <a:off x="248573" y="2572666"/>
+            <a:ext cx="3000654" cy="2256786"/>
+          </a:xfrm>
+          <a:prstGeom prst="rect">
+            <a:avLst/>
+          </a:prstGeom>
+          <a:solidFill>
+            <a:schemeClr val="accent1">
+              <a:lumMod val="20000"/>
+              <a:lumOff val="80000"/>
+            </a:schemeClr>
+          </a:solidFill>
+        </p:spPr>
+        <p:style>
+          <a:lnRef idx="2">
+            <a:schemeClr val="accent1">
+              <a:shade val="50000"/>
+            </a:schemeClr>
+          </a:lnRef>
+          <a:fillRef idx="1">
+            <a:schemeClr val="accent1"/>
+          </a:fillRef>
+          <a:effectRef idx="0">
+            <a:schemeClr val="accent1"/>
+          </a:effectRef>
+          <a:fontRef idx="minor">
+            <a:schemeClr val="lt1"/>
+          </a:fontRef>
+        </p:style>
+        <p:txBody>
+          <a:bodyPr rtlCol="0" anchor="ctr"/>
+          <a:lstStyle/>
+          <a:p>
+            <a:r>
+              <a:rPr lang="en-US" sz="1200" dirty="0">
+                <a:solidFill>
+                  <a:schemeClr val="tx1"/>
+                </a:solidFill>
+              </a:rPr>
+              <a:t> [Serializable]</a:t>
+            </a:r>
+          </a:p>
+          <a:p>
+            <a:r>
+              <a:rPr lang="en-US" sz="1200" dirty="0">
+                <a:solidFill>
+                  <a:schemeClr val="tx1"/>
+                </a:solidFill>
+              </a:rPr>
+              <a:t>    public class </a:t>
+            </a:r>
+            <a:r>
+              <a:rPr lang="en-US" sz="1200" dirty="0">
+                <a:solidFill>
+                  <a:srgbClr val="FF0000"/>
+                </a:solidFill>
+              </a:rPr>
+              <a:t>Command</a:t>
+            </a:r>
+            <a:r>
+              <a:rPr lang="en-US" sz="1200" dirty="0">
+                <a:solidFill>
+                  <a:schemeClr val="tx1"/>
+                </a:solidFill>
+              </a:rPr>
+              <a:t> : </a:t>
+            </a:r>
+            <a:r>
+              <a:rPr lang="en-US" sz="1200" dirty="0" err="1">
+                <a:solidFill>
+                  <a:srgbClr val="00B050"/>
+                </a:solidFill>
+              </a:rPr>
+              <a:t>ICommand</a:t>
+            </a:r>
+            <a:endParaRPr lang="en-US" sz="1200" dirty="0">
+              <a:solidFill>
+                <a:srgbClr val="00B050"/>
+              </a:solidFill>
+            </a:endParaRPr>
+          </a:p>
+          <a:p>
+            <a:r>
+              <a:rPr lang="en-US" sz="1200" dirty="0">
+                <a:solidFill>
+                  <a:schemeClr val="tx1"/>
+                </a:solidFill>
+              </a:rPr>
+              <a:t>    {</a:t>
+            </a:r>
+          </a:p>
+          <a:p>
+            <a:r>
+              <a:rPr lang="en-US" sz="1200" dirty="0">
+                <a:solidFill>
+                  <a:schemeClr val="tx1"/>
+                </a:solidFill>
+              </a:rPr>
+              <a:t>        public </a:t>
+            </a:r>
+            <a:r>
+              <a:rPr lang="en-US" sz="1200" dirty="0" err="1">
+                <a:solidFill>
+                  <a:schemeClr val="tx1"/>
+                </a:solidFill>
+              </a:rPr>
+              <a:t>Guid</a:t>
+            </a:r>
+            <a:r>
+              <a:rPr lang="en-US" sz="1200" dirty="0">
+                <a:solidFill>
+                  <a:schemeClr val="tx1"/>
+                </a:solidFill>
+              </a:rPr>
+              <a:t> Id { get; private set; }</a:t>
+            </a:r>
+          </a:p>
+          <a:p>
+            <a:r>
+              <a:rPr lang="en-US" sz="1200" dirty="0">
+                <a:solidFill>
+                  <a:schemeClr val="tx1"/>
+                </a:solidFill>
+              </a:rPr>
+              <a:t>        public int Version { get; private set; }</a:t>
+            </a:r>
+          </a:p>
+          <a:p>
+            <a:r>
+              <a:rPr lang="en-US" sz="1200" dirty="0">
+                <a:solidFill>
+                  <a:schemeClr val="tx1"/>
+                </a:solidFill>
+              </a:rPr>
+              <a:t>        public Command(</a:t>
+            </a:r>
+            <a:r>
+              <a:rPr lang="en-US" sz="1200" dirty="0" err="1">
+                <a:solidFill>
+                  <a:schemeClr val="tx1"/>
+                </a:solidFill>
+              </a:rPr>
+              <a:t>Guid</a:t>
+            </a:r>
+            <a:r>
+              <a:rPr lang="en-US" sz="1200" dirty="0">
+                <a:solidFill>
+                  <a:schemeClr val="tx1"/>
+                </a:solidFill>
+              </a:rPr>
+              <a:t> </a:t>
+            </a:r>
+            <a:r>
+              <a:rPr lang="en-US" sz="1200" dirty="0" err="1">
+                <a:solidFill>
+                  <a:schemeClr val="tx1"/>
+                </a:solidFill>
+              </a:rPr>
+              <a:t>id,int</a:t>
+            </a:r>
+            <a:r>
+              <a:rPr lang="en-US" sz="1200" dirty="0">
+                <a:solidFill>
+                  <a:schemeClr val="tx1"/>
+                </a:solidFill>
+              </a:rPr>
+              <a:t> version)</a:t>
+            </a:r>
+          </a:p>
+          <a:p>
+            <a:r>
+              <a:rPr lang="en-US" sz="1200" dirty="0">
+                <a:solidFill>
+                  <a:schemeClr val="tx1"/>
+                </a:solidFill>
+              </a:rPr>
+              <a:t>        {</a:t>
+            </a:r>
+          </a:p>
+          <a:p>
+            <a:r>
+              <a:rPr lang="en-US" sz="1200" dirty="0">
+                <a:solidFill>
+                  <a:schemeClr val="tx1"/>
+                </a:solidFill>
+              </a:rPr>
+              <a:t>            Id = id;</a:t>
+            </a:r>
+          </a:p>
+          <a:p>
+            <a:r>
+              <a:rPr lang="en-US" sz="1200" dirty="0">
+                <a:solidFill>
+                  <a:schemeClr val="tx1"/>
+                </a:solidFill>
+              </a:rPr>
+              <a:t>            Version = version;</a:t>
+            </a:r>
+          </a:p>
+          <a:p>
+            <a:r>
+              <a:rPr lang="en-US" sz="1200" dirty="0">
+                <a:solidFill>
+                  <a:schemeClr val="tx1"/>
+                </a:solidFill>
+              </a:rPr>
+              <a:t>        }</a:t>
+            </a:r>
+          </a:p>
+          <a:p>
+            <a:r>
+              <a:rPr lang="en-US" sz="1200" dirty="0">
+                <a:solidFill>
+                  <a:schemeClr val="tx1"/>
+                </a:solidFill>
+              </a:rPr>
+              <a:t>    }</a:t>
+            </a:r>
+          </a:p>
+        </p:txBody>
+      </p:sp>
+      <p:sp>
+        <p:nvSpPr>
+          <p:cNvPr id="21" name="Rectangle 20">
+            <a:extLst>
+              <a:ext uri="{FF2B5EF4-FFF2-40B4-BE49-F238E27FC236}">
+                <a16:creationId xmlns:a16="http://schemas.microsoft.com/office/drawing/2014/main" id="{6E6391AA-0776-42A3-9C4E-6135BC0B3BDD}"/>
+              </a:ext>
+            </a:extLst>
+          </p:cNvPr>
+          <p:cNvSpPr/>
+          <p:nvPr/>
+        </p:nvSpPr>
+        <p:spPr>
+          <a:xfrm>
+            <a:off x="3471907" y="702058"/>
+            <a:ext cx="4206538" cy="4110740"/>
+          </a:xfrm>
+          <a:prstGeom prst="rect">
+            <a:avLst/>
+          </a:prstGeom>
+          <a:solidFill>
+            <a:schemeClr val="accent1">
+              <a:lumMod val="20000"/>
+              <a:lumOff val="80000"/>
+            </a:schemeClr>
+          </a:solidFill>
+        </p:spPr>
+        <p:style>
+          <a:lnRef idx="2">
+            <a:schemeClr val="accent1">
+              <a:shade val="50000"/>
+            </a:schemeClr>
+          </a:lnRef>
+          <a:fillRef idx="1">
+            <a:schemeClr val="accent1"/>
+          </a:fillRef>
+          <a:effectRef idx="0">
+            <a:schemeClr val="accent1"/>
+          </a:effectRef>
+          <a:fontRef idx="minor">
+            <a:schemeClr val="lt1"/>
+          </a:fontRef>
+        </p:style>
+        <p:txBody>
+          <a:bodyPr rtlCol="0" anchor="ctr"/>
+          <a:lstStyle/>
+          <a:p>
+            <a:r>
+              <a:rPr lang="en-US" sz="1200" dirty="0">
+                <a:solidFill>
+                  <a:schemeClr val="tx1"/>
+                </a:solidFill>
+              </a:rPr>
+              <a:t> public class </a:t>
+            </a:r>
+            <a:r>
+              <a:rPr lang="en-US" sz="1200" b="1" dirty="0" err="1">
+                <a:solidFill>
+                  <a:srgbClr val="7030A0"/>
+                </a:solidFill>
+              </a:rPr>
+              <a:t>CreateItemCommand</a:t>
+            </a:r>
+            <a:r>
+              <a:rPr lang="en-US" sz="1200" dirty="0" err="1">
+                <a:solidFill>
+                  <a:schemeClr val="tx1"/>
+                </a:solidFill>
+              </a:rPr>
+              <a:t>:</a:t>
+            </a:r>
+            <a:r>
+              <a:rPr lang="en-US" sz="1200" dirty="0" err="1">
+                <a:solidFill>
+                  <a:srgbClr val="FF0000"/>
+                </a:solidFill>
+              </a:rPr>
+              <a:t>Command</a:t>
+            </a:r>
+            <a:endParaRPr lang="en-US" sz="1200" dirty="0">
+              <a:solidFill>
+                <a:srgbClr val="FF0000"/>
+              </a:solidFill>
+            </a:endParaRPr>
+          </a:p>
+          <a:p>
+            <a:r>
+              <a:rPr lang="en-US" sz="1200" dirty="0">
+                <a:solidFill>
+                  <a:schemeClr val="tx1"/>
+                </a:solidFill>
+              </a:rPr>
+              <a:t>    {</a:t>
+            </a:r>
+          </a:p>
+          <a:p>
+            <a:r>
+              <a:rPr lang="en-US" sz="1200" dirty="0">
+                <a:solidFill>
+                  <a:schemeClr val="tx1"/>
+                </a:solidFill>
+              </a:rPr>
+              <a:t>        public string Title { get; internal set; }</a:t>
+            </a:r>
+          </a:p>
+          <a:p>
+            <a:r>
+              <a:rPr lang="en-US" sz="1200" dirty="0">
+                <a:solidFill>
+                  <a:schemeClr val="tx1"/>
+                </a:solidFill>
+              </a:rPr>
+              <a:t>        public string Description { </a:t>
+            </a:r>
+            <a:r>
+              <a:rPr lang="en-US" sz="1200" dirty="0" err="1">
+                <a:solidFill>
+                  <a:schemeClr val="tx1"/>
+                </a:solidFill>
+              </a:rPr>
+              <a:t>get;internal</a:t>
+            </a:r>
+            <a:r>
+              <a:rPr lang="en-US" sz="1200" dirty="0">
+                <a:solidFill>
+                  <a:schemeClr val="tx1"/>
+                </a:solidFill>
+              </a:rPr>
+              <a:t> set; }</a:t>
+            </a:r>
+          </a:p>
+          <a:p>
+            <a:r>
+              <a:rPr lang="en-US" sz="1200" dirty="0">
+                <a:solidFill>
+                  <a:schemeClr val="tx1"/>
+                </a:solidFill>
+              </a:rPr>
+              <a:t>        public </a:t>
+            </a:r>
+            <a:r>
+              <a:rPr lang="en-US" sz="1200" dirty="0" err="1">
+                <a:solidFill>
+                  <a:schemeClr val="tx1"/>
+                </a:solidFill>
+              </a:rPr>
+              <a:t>DateTime</a:t>
+            </a:r>
+            <a:r>
+              <a:rPr lang="en-US" sz="1200" dirty="0">
+                <a:solidFill>
+                  <a:schemeClr val="tx1"/>
+                </a:solidFill>
+              </a:rPr>
+              <a:t> From { get; internal set; }</a:t>
+            </a:r>
+          </a:p>
+          <a:p>
+            <a:r>
+              <a:rPr lang="en-US" sz="1200" dirty="0">
+                <a:solidFill>
+                  <a:schemeClr val="tx1"/>
+                </a:solidFill>
+              </a:rPr>
+              <a:t>        public </a:t>
+            </a:r>
+            <a:r>
+              <a:rPr lang="en-US" sz="1200" dirty="0" err="1">
+                <a:solidFill>
+                  <a:schemeClr val="tx1"/>
+                </a:solidFill>
+              </a:rPr>
+              <a:t>DateTime</a:t>
+            </a:r>
+            <a:r>
+              <a:rPr lang="en-US" sz="1200" dirty="0">
+                <a:solidFill>
+                  <a:schemeClr val="tx1"/>
+                </a:solidFill>
+              </a:rPr>
+              <a:t> To { get; internal set; }</a:t>
+            </a:r>
+          </a:p>
+          <a:p>
+            <a:endParaRPr lang="en-US" sz="1200" dirty="0">
+              <a:solidFill>
+                <a:schemeClr val="tx1"/>
+              </a:solidFill>
+            </a:endParaRPr>
+          </a:p>
+          <a:p>
+            <a:r>
+              <a:rPr lang="en-US" sz="1200" dirty="0">
+                <a:solidFill>
+                  <a:schemeClr val="tx1"/>
+                </a:solidFill>
+              </a:rPr>
+              <a:t>        public </a:t>
+            </a:r>
+            <a:r>
+              <a:rPr lang="en-US" sz="1200" dirty="0" err="1">
+                <a:solidFill>
+                  <a:schemeClr val="tx1"/>
+                </a:solidFill>
+              </a:rPr>
+              <a:t>CreateItemCommand</a:t>
+            </a:r>
+            <a:r>
+              <a:rPr lang="en-US" sz="1200" dirty="0">
+                <a:solidFill>
+                  <a:schemeClr val="tx1"/>
+                </a:solidFill>
+              </a:rPr>
+              <a:t>(</a:t>
+            </a:r>
+            <a:r>
+              <a:rPr lang="en-US" sz="1200" dirty="0" err="1">
+                <a:solidFill>
+                  <a:schemeClr val="tx1"/>
+                </a:solidFill>
+              </a:rPr>
+              <a:t>Guid</a:t>
+            </a:r>
+            <a:r>
+              <a:rPr lang="en-US" sz="1200" dirty="0">
+                <a:solidFill>
+                  <a:schemeClr val="tx1"/>
+                </a:solidFill>
+              </a:rPr>
+              <a:t> </a:t>
+            </a:r>
+            <a:r>
+              <a:rPr lang="en-US" sz="1200" dirty="0" err="1">
+                <a:solidFill>
+                  <a:schemeClr val="tx1"/>
+                </a:solidFill>
+              </a:rPr>
+              <a:t>aggregateId</a:t>
+            </a:r>
+            <a:r>
+              <a:rPr lang="en-US" sz="1200" dirty="0">
+                <a:solidFill>
+                  <a:schemeClr val="tx1"/>
+                </a:solidFill>
+              </a:rPr>
+              <a:t>, string title, </a:t>
+            </a:r>
+          </a:p>
+          <a:p>
+            <a:r>
+              <a:rPr lang="en-US" sz="1200" dirty="0">
+                <a:solidFill>
+                  <a:schemeClr val="tx1"/>
+                </a:solidFill>
+              </a:rPr>
+              <a:t>            string </a:t>
+            </a:r>
+            <a:r>
+              <a:rPr lang="en-US" sz="1200" dirty="0" err="1">
+                <a:solidFill>
+                  <a:schemeClr val="tx1"/>
+                </a:solidFill>
+              </a:rPr>
+              <a:t>description,int</a:t>
+            </a:r>
+            <a:r>
+              <a:rPr lang="en-US" sz="1200" dirty="0">
+                <a:solidFill>
+                  <a:schemeClr val="tx1"/>
+                </a:solidFill>
+              </a:rPr>
+              <a:t> </a:t>
+            </a:r>
+            <a:r>
+              <a:rPr lang="en-US" sz="1200" dirty="0" err="1">
+                <a:solidFill>
+                  <a:schemeClr val="tx1"/>
+                </a:solidFill>
+              </a:rPr>
+              <a:t>version,DateTime</a:t>
+            </a:r>
+            <a:r>
+              <a:rPr lang="en-US" sz="1200" dirty="0">
+                <a:solidFill>
+                  <a:schemeClr val="tx1"/>
+                </a:solidFill>
+              </a:rPr>
+              <a:t> from, </a:t>
+            </a:r>
+            <a:r>
+              <a:rPr lang="en-US" sz="1200" dirty="0" err="1">
+                <a:solidFill>
+                  <a:schemeClr val="tx1"/>
+                </a:solidFill>
+              </a:rPr>
+              <a:t>DateTime</a:t>
+            </a:r>
+            <a:r>
+              <a:rPr lang="en-US" sz="1200" dirty="0">
+                <a:solidFill>
+                  <a:schemeClr val="tx1"/>
+                </a:solidFill>
+              </a:rPr>
+              <a:t> to)</a:t>
+            </a:r>
+          </a:p>
+          <a:p>
+            <a:r>
+              <a:rPr lang="en-US" sz="1200" dirty="0">
+                <a:solidFill>
+                  <a:schemeClr val="tx1"/>
+                </a:solidFill>
+              </a:rPr>
+              <a:t>            : base(</a:t>
+            </a:r>
+            <a:r>
+              <a:rPr lang="en-US" sz="1200" dirty="0" err="1">
+                <a:solidFill>
+                  <a:schemeClr val="tx1"/>
+                </a:solidFill>
+              </a:rPr>
+              <a:t>aggregateId,version</a:t>
+            </a:r>
+            <a:r>
+              <a:rPr lang="en-US" sz="1200" dirty="0">
+                <a:solidFill>
+                  <a:schemeClr val="tx1"/>
+                </a:solidFill>
+              </a:rPr>
+              <a:t>)</a:t>
+            </a:r>
+          </a:p>
+          <a:p>
+            <a:r>
+              <a:rPr lang="en-US" sz="1200" dirty="0">
+                <a:solidFill>
+                  <a:schemeClr val="tx1"/>
+                </a:solidFill>
+              </a:rPr>
+              <a:t>        {</a:t>
+            </a:r>
+          </a:p>
+          <a:p>
+            <a:r>
+              <a:rPr lang="en-US" sz="1200" dirty="0">
+                <a:solidFill>
+                  <a:schemeClr val="tx1"/>
+                </a:solidFill>
+              </a:rPr>
+              <a:t>            Title = title;</a:t>
+            </a:r>
+          </a:p>
+          <a:p>
+            <a:r>
+              <a:rPr lang="en-US" sz="1200" dirty="0">
+                <a:solidFill>
+                  <a:schemeClr val="tx1"/>
+                </a:solidFill>
+              </a:rPr>
+              <a:t>            Description = description;</a:t>
+            </a:r>
+          </a:p>
+          <a:p>
+            <a:r>
+              <a:rPr lang="en-US" sz="1200" dirty="0">
+                <a:solidFill>
+                  <a:schemeClr val="tx1"/>
+                </a:solidFill>
+              </a:rPr>
+              <a:t>            From = from;</a:t>
+            </a:r>
+          </a:p>
+          <a:p>
+            <a:r>
+              <a:rPr lang="en-US" sz="1200" dirty="0">
+                <a:solidFill>
+                  <a:schemeClr val="tx1"/>
+                </a:solidFill>
+              </a:rPr>
+              <a:t>            To = to;</a:t>
+            </a:r>
+          </a:p>
+          <a:p>
+            <a:r>
+              <a:rPr lang="en-US" sz="1200" dirty="0">
+                <a:solidFill>
+                  <a:schemeClr val="tx1"/>
+                </a:solidFill>
+              </a:rPr>
+              <a:t>        }</a:t>
+            </a:r>
+          </a:p>
+          <a:p>
+            <a:r>
+              <a:rPr lang="en-US" sz="1200" dirty="0">
+                <a:solidFill>
+                  <a:schemeClr val="tx1"/>
+                </a:solidFill>
+              </a:rPr>
+              <a:t>    }</a:t>
+            </a:r>
+          </a:p>
+        </p:txBody>
+      </p:sp>
+      <p:sp>
+        <p:nvSpPr>
+          <p:cNvPr id="24" name="Rectangle 23">
+            <a:extLst>
+              <a:ext uri="{FF2B5EF4-FFF2-40B4-BE49-F238E27FC236}">
+                <a16:creationId xmlns:a16="http://schemas.microsoft.com/office/drawing/2014/main" id="{F5219DDD-DDA1-4536-B99E-A3E3FD17D25E}"/>
+              </a:ext>
+            </a:extLst>
+          </p:cNvPr>
+          <p:cNvSpPr/>
+          <p:nvPr/>
+        </p:nvSpPr>
+        <p:spPr>
+          <a:xfrm>
+            <a:off x="7901125" y="702057"/>
+            <a:ext cx="4206538" cy="5894051"/>
+          </a:xfrm>
+          <a:prstGeom prst="rect">
+            <a:avLst/>
+          </a:prstGeom>
+          <a:solidFill>
+            <a:schemeClr val="accent1">
+              <a:lumMod val="20000"/>
+              <a:lumOff val="80000"/>
+            </a:schemeClr>
+          </a:solidFill>
+        </p:spPr>
+        <p:style>
+          <a:lnRef idx="2">
+            <a:schemeClr val="accent1">
+              <a:shade val="50000"/>
+            </a:schemeClr>
+          </a:lnRef>
+          <a:fillRef idx="1">
+            <a:schemeClr val="accent1"/>
+          </a:fillRef>
+          <a:effectRef idx="0">
+            <a:schemeClr val="accent1"/>
+          </a:effectRef>
+          <a:fontRef idx="minor">
+            <a:schemeClr val="lt1"/>
+          </a:fontRef>
+        </p:style>
+        <p:txBody>
+          <a:bodyPr rtlCol="0" anchor="ctr"/>
+          <a:lstStyle/>
+          <a:p>
+            <a:r>
+              <a:rPr lang="en-US" sz="1200" dirty="0">
+                <a:solidFill>
+                  <a:schemeClr val="tx1"/>
+                </a:solidFill>
+              </a:rPr>
+              <a:t>  public class </a:t>
+            </a:r>
+            <a:r>
+              <a:rPr lang="en-US" sz="1200" b="1" dirty="0" err="1">
+                <a:solidFill>
+                  <a:srgbClr val="FFC000"/>
+                </a:solidFill>
+              </a:rPr>
+              <a:t>CreateItemCommandHandler</a:t>
+            </a:r>
+            <a:r>
+              <a:rPr lang="en-US" sz="1200" dirty="0">
+                <a:solidFill>
+                  <a:schemeClr val="tx1"/>
+                </a:solidFill>
+              </a:rPr>
+              <a:t> : </a:t>
+            </a:r>
+            <a:r>
+              <a:rPr lang="en-US" sz="1200" dirty="0" err="1">
+                <a:solidFill>
+                  <a:schemeClr val="tx1"/>
+                </a:solidFill>
+              </a:rPr>
+              <a:t>ICommandHandler</a:t>
+            </a:r>
+            <a:r>
+              <a:rPr lang="en-US" sz="1200" dirty="0">
+                <a:solidFill>
+                  <a:schemeClr val="tx1"/>
+                </a:solidFill>
+              </a:rPr>
+              <a:t>&lt;</a:t>
+            </a:r>
+            <a:r>
+              <a:rPr lang="en-US" sz="1200" dirty="0" err="1">
+                <a:solidFill>
+                  <a:schemeClr val="tx1"/>
+                </a:solidFill>
+              </a:rPr>
+              <a:t>CreateItemCommand</a:t>
+            </a:r>
+            <a:r>
+              <a:rPr lang="en-US" sz="1200" dirty="0">
+                <a:solidFill>
+                  <a:schemeClr val="tx1"/>
+                </a:solidFill>
+              </a:rPr>
+              <a:t>&gt;</a:t>
+            </a:r>
+          </a:p>
+          <a:p>
+            <a:r>
+              <a:rPr lang="en-US" sz="1200" dirty="0">
+                <a:solidFill>
+                  <a:schemeClr val="tx1"/>
+                </a:solidFill>
+              </a:rPr>
+              <a:t>    {</a:t>
+            </a:r>
+          </a:p>
+          <a:p>
+            <a:r>
+              <a:rPr lang="en-US" sz="1200" dirty="0">
+                <a:solidFill>
+                  <a:schemeClr val="tx1"/>
+                </a:solidFill>
+              </a:rPr>
+              <a:t>        private </a:t>
+            </a:r>
+            <a:r>
+              <a:rPr lang="en-US" sz="1200" dirty="0" err="1">
+                <a:solidFill>
+                  <a:schemeClr val="tx1"/>
+                </a:solidFill>
+              </a:rPr>
+              <a:t>IRepository</a:t>
+            </a:r>
+            <a:r>
+              <a:rPr lang="en-US" sz="1200" dirty="0">
+                <a:solidFill>
+                  <a:schemeClr val="tx1"/>
+                </a:solidFill>
+              </a:rPr>
+              <a:t>&lt;</a:t>
+            </a:r>
+            <a:r>
+              <a:rPr lang="en-US" sz="1200" dirty="0" err="1">
+                <a:solidFill>
+                  <a:schemeClr val="tx1"/>
+                </a:solidFill>
+              </a:rPr>
+              <a:t>DiaryItem</a:t>
+            </a:r>
+            <a:r>
+              <a:rPr lang="en-US" sz="1200" dirty="0">
+                <a:solidFill>
+                  <a:schemeClr val="tx1"/>
+                </a:solidFill>
+              </a:rPr>
+              <a:t>&gt; _repository;</a:t>
+            </a:r>
+          </a:p>
+          <a:p>
+            <a:endParaRPr lang="en-US" sz="1200" dirty="0">
+              <a:solidFill>
+                <a:schemeClr val="tx1"/>
+              </a:solidFill>
+            </a:endParaRPr>
+          </a:p>
+          <a:p>
+            <a:r>
+              <a:rPr lang="en-US" sz="1200" dirty="0">
+                <a:solidFill>
+                  <a:schemeClr val="tx1"/>
+                </a:solidFill>
+              </a:rPr>
+              <a:t>        public </a:t>
+            </a:r>
+            <a:r>
+              <a:rPr lang="en-US" sz="1200" dirty="0" err="1">
+                <a:solidFill>
+                  <a:schemeClr val="tx1"/>
+                </a:solidFill>
+              </a:rPr>
+              <a:t>CreateItemCommandHandler</a:t>
+            </a:r>
+            <a:r>
+              <a:rPr lang="en-US" sz="1200" dirty="0">
+                <a:solidFill>
+                  <a:schemeClr val="tx1"/>
+                </a:solidFill>
+              </a:rPr>
+              <a:t>(</a:t>
+            </a:r>
+            <a:r>
+              <a:rPr lang="en-US" sz="1200" dirty="0" err="1">
+                <a:solidFill>
+                  <a:schemeClr val="tx1"/>
+                </a:solidFill>
+              </a:rPr>
+              <a:t>IRepository</a:t>
+            </a:r>
+            <a:r>
+              <a:rPr lang="en-US" sz="1200" dirty="0">
+                <a:solidFill>
+                  <a:schemeClr val="tx1"/>
+                </a:solidFill>
+              </a:rPr>
+              <a:t>&lt;</a:t>
+            </a:r>
+            <a:r>
+              <a:rPr lang="en-US" sz="1200" dirty="0" err="1">
+                <a:solidFill>
+                  <a:schemeClr val="tx1"/>
+                </a:solidFill>
+              </a:rPr>
+              <a:t>DiaryItem</a:t>
+            </a:r>
+            <a:r>
+              <a:rPr lang="en-US" sz="1200" dirty="0">
+                <a:solidFill>
+                  <a:schemeClr val="tx1"/>
+                </a:solidFill>
+              </a:rPr>
+              <a:t>&gt; repository)</a:t>
+            </a:r>
+          </a:p>
+          <a:p>
+            <a:r>
+              <a:rPr lang="en-US" sz="1200" dirty="0">
+                <a:solidFill>
+                  <a:schemeClr val="tx1"/>
+                </a:solidFill>
+              </a:rPr>
+              <a:t>        {</a:t>
+            </a:r>
+          </a:p>
+          <a:p>
+            <a:r>
+              <a:rPr lang="en-US" sz="1200" dirty="0">
+                <a:solidFill>
+                  <a:schemeClr val="tx1"/>
+                </a:solidFill>
+              </a:rPr>
+              <a:t>            _repository = repository;</a:t>
+            </a:r>
+          </a:p>
+          <a:p>
+            <a:r>
+              <a:rPr lang="en-US" sz="1200" dirty="0">
+                <a:solidFill>
+                  <a:schemeClr val="tx1"/>
+                </a:solidFill>
+              </a:rPr>
+              <a:t>        }</a:t>
+            </a:r>
+          </a:p>
+          <a:p>
+            <a:endParaRPr lang="en-US" sz="1200" dirty="0">
+              <a:solidFill>
+                <a:schemeClr val="tx1"/>
+              </a:solidFill>
+            </a:endParaRPr>
+          </a:p>
+          <a:p>
+            <a:r>
+              <a:rPr lang="en-US" sz="1200" dirty="0">
+                <a:solidFill>
+                  <a:schemeClr val="tx1"/>
+                </a:solidFill>
+              </a:rPr>
+              <a:t>        public void </a:t>
+            </a:r>
+            <a:r>
+              <a:rPr lang="en-US" sz="1200" dirty="0">
+                <a:solidFill>
+                  <a:srgbClr val="FFC000"/>
+                </a:solidFill>
+              </a:rPr>
+              <a:t>Execute</a:t>
+            </a:r>
+            <a:r>
+              <a:rPr lang="en-US" sz="1200" dirty="0">
+                <a:solidFill>
+                  <a:schemeClr val="tx1"/>
+                </a:solidFill>
+              </a:rPr>
+              <a:t>(</a:t>
+            </a:r>
+            <a:r>
+              <a:rPr lang="en-US" sz="1200" dirty="0" err="1">
+                <a:solidFill>
+                  <a:schemeClr val="tx1"/>
+                </a:solidFill>
+              </a:rPr>
+              <a:t>CreateItemCommand</a:t>
+            </a:r>
+            <a:r>
+              <a:rPr lang="en-US" sz="1200" dirty="0">
+                <a:solidFill>
+                  <a:schemeClr val="tx1"/>
+                </a:solidFill>
+              </a:rPr>
+              <a:t> command)</a:t>
+            </a:r>
+          </a:p>
+          <a:p>
+            <a:r>
+              <a:rPr lang="en-US" sz="1200" dirty="0">
+                <a:solidFill>
+                  <a:schemeClr val="tx1"/>
+                </a:solidFill>
+              </a:rPr>
+              <a:t>        {</a:t>
+            </a:r>
+          </a:p>
+          <a:p>
+            <a:r>
+              <a:rPr lang="en-US" sz="1200" dirty="0">
+                <a:solidFill>
+                  <a:schemeClr val="tx1"/>
+                </a:solidFill>
+              </a:rPr>
+              <a:t>            if (command == null)</a:t>
+            </a:r>
+          </a:p>
+          <a:p>
+            <a:r>
+              <a:rPr lang="en-US" sz="1200" dirty="0">
+                <a:solidFill>
+                  <a:schemeClr val="tx1"/>
+                </a:solidFill>
+              </a:rPr>
+              <a:t>            {</a:t>
+            </a:r>
+          </a:p>
+          <a:p>
+            <a:r>
+              <a:rPr lang="en-US" sz="1200" dirty="0">
+                <a:solidFill>
+                  <a:schemeClr val="tx1"/>
+                </a:solidFill>
+              </a:rPr>
+              <a:t>                throw new </a:t>
+            </a:r>
+            <a:r>
+              <a:rPr lang="en-US" sz="1200" dirty="0" err="1">
+                <a:solidFill>
+                  <a:schemeClr val="tx1"/>
+                </a:solidFill>
+              </a:rPr>
+              <a:t>ArgumentNullException</a:t>
+            </a:r>
+            <a:r>
+              <a:rPr lang="en-US" sz="1200" dirty="0">
+                <a:solidFill>
+                  <a:schemeClr val="tx1"/>
+                </a:solidFill>
+              </a:rPr>
+              <a:t>("command");</a:t>
+            </a:r>
+          </a:p>
+          <a:p>
+            <a:r>
+              <a:rPr lang="en-US" sz="1200" dirty="0">
+                <a:solidFill>
+                  <a:schemeClr val="tx1"/>
+                </a:solidFill>
+              </a:rPr>
+              <a:t>            }</a:t>
+            </a:r>
+          </a:p>
+          <a:p>
+            <a:r>
+              <a:rPr lang="en-US" sz="1200" dirty="0">
+                <a:solidFill>
+                  <a:schemeClr val="tx1"/>
+                </a:solidFill>
+              </a:rPr>
+              <a:t>            if (_repository == null)</a:t>
+            </a:r>
+          </a:p>
+          <a:p>
+            <a:r>
+              <a:rPr lang="en-US" sz="1200" dirty="0">
+                <a:solidFill>
+                  <a:schemeClr val="tx1"/>
+                </a:solidFill>
+              </a:rPr>
+              <a:t>            {</a:t>
+            </a:r>
+          </a:p>
+          <a:p>
+            <a:r>
+              <a:rPr lang="en-US" sz="1200" dirty="0">
+                <a:solidFill>
+                  <a:schemeClr val="tx1"/>
+                </a:solidFill>
+              </a:rPr>
+              <a:t>                throw new </a:t>
+            </a:r>
+            <a:r>
+              <a:rPr lang="en-US" sz="1200" dirty="0" err="1">
+                <a:solidFill>
+                  <a:schemeClr val="tx1"/>
+                </a:solidFill>
+              </a:rPr>
+              <a:t>InvalidOperationException</a:t>
+            </a:r>
+            <a:r>
+              <a:rPr lang="en-US" sz="1200" dirty="0">
+                <a:solidFill>
+                  <a:schemeClr val="tx1"/>
+                </a:solidFill>
+              </a:rPr>
+              <a:t>("Repository is not initialized.");</a:t>
+            </a:r>
+          </a:p>
+          <a:p>
+            <a:r>
+              <a:rPr lang="en-US" sz="1200" dirty="0">
+                <a:solidFill>
+                  <a:schemeClr val="tx1"/>
+                </a:solidFill>
+              </a:rPr>
+              <a:t>            }</a:t>
+            </a:r>
+          </a:p>
+          <a:p>
+            <a:r>
+              <a:rPr lang="en-US" sz="1200" dirty="0">
+                <a:solidFill>
+                  <a:schemeClr val="tx1"/>
+                </a:solidFill>
+              </a:rPr>
+              <a:t>            var aggregate = new </a:t>
+            </a:r>
+            <a:r>
+              <a:rPr lang="en-US" sz="1200" dirty="0" err="1">
+                <a:solidFill>
+                  <a:schemeClr val="tx1"/>
+                </a:solidFill>
+              </a:rPr>
+              <a:t>DiaryItem</a:t>
+            </a:r>
+            <a:r>
+              <a:rPr lang="en-US" sz="1200" dirty="0">
+                <a:solidFill>
+                  <a:schemeClr val="tx1"/>
+                </a:solidFill>
+              </a:rPr>
+              <a:t>(</a:t>
+            </a:r>
+            <a:r>
+              <a:rPr lang="en-US" sz="1200" dirty="0" err="1">
+                <a:solidFill>
+                  <a:schemeClr val="tx1"/>
+                </a:solidFill>
+              </a:rPr>
+              <a:t>command.Id</a:t>
+            </a:r>
+            <a:r>
+              <a:rPr lang="en-US" sz="1200" dirty="0">
+                <a:solidFill>
+                  <a:schemeClr val="tx1"/>
+                </a:solidFill>
+              </a:rPr>
+              <a:t>, </a:t>
+            </a:r>
+            <a:r>
+              <a:rPr lang="en-US" sz="1200" dirty="0" err="1">
+                <a:solidFill>
+                  <a:schemeClr val="tx1"/>
+                </a:solidFill>
+              </a:rPr>
+              <a:t>command.Title</a:t>
+            </a:r>
+            <a:r>
+              <a:rPr lang="en-US" sz="1200" dirty="0">
+                <a:solidFill>
+                  <a:schemeClr val="tx1"/>
+                </a:solidFill>
+              </a:rPr>
+              <a:t>, </a:t>
+            </a:r>
+            <a:r>
+              <a:rPr lang="en-US" sz="1200" dirty="0" err="1">
+                <a:solidFill>
+                  <a:schemeClr val="tx1"/>
+                </a:solidFill>
+              </a:rPr>
+              <a:t>command.Description</a:t>
+            </a:r>
+            <a:r>
+              <a:rPr lang="en-US" sz="1200" dirty="0">
+                <a:solidFill>
+                  <a:schemeClr val="tx1"/>
+                </a:solidFill>
+              </a:rPr>
+              <a:t>, </a:t>
+            </a:r>
+            <a:r>
+              <a:rPr lang="en-US" sz="1200" dirty="0" err="1">
+                <a:solidFill>
+                  <a:schemeClr val="tx1"/>
+                </a:solidFill>
+              </a:rPr>
+              <a:t>command.From</a:t>
+            </a:r>
+            <a:r>
+              <a:rPr lang="en-US" sz="1200" dirty="0">
+                <a:solidFill>
+                  <a:schemeClr val="tx1"/>
+                </a:solidFill>
+              </a:rPr>
+              <a:t>, </a:t>
+            </a:r>
+            <a:r>
+              <a:rPr lang="en-US" sz="1200" dirty="0" err="1">
+                <a:solidFill>
+                  <a:schemeClr val="tx1"/>
+                </a:solidFill>
+              </a:rPr>
+              <a:t>command.To</a:t>
+            </a:r>
+            <a:r>
+              <a:rPr lang="en-US" sz="1200" dirty="0">
+                <a:solidFill>
+                  <a:schemeClr val="tx1"/>
+                </a:solidFill>
+              </a:rPr>
+              <a:t>);</a:t>
+            </a:r>
+          </a:p>
+          <a:p>
+            <a:r>
+              <a:rPr lang="en-US" sz="1200" dirty="0">
+                <a:solidFill>
+                  <a:schemeClr val="tx1"/>
+                </a:solidFill>
+              </a:rPr>
+              <a:t>            </a:t>
+            </a:r>
+            <a:r>
+              <a:rPr lang="en-US" sz="1200" dirty="0" err="1">
+                <a:solidFill>
+                  <a:schemeClr val="tx1"/>
+                </a:solidFill>
+              </a:rPr>
+              <a:t>aggregate.Version</a:t>
+            </a:r>
+            <a:r>
+              <a:rPr lang="en-US" sz="1200" dirty="0">
+                <a:solidFill>
+                  <a:schemeClr val="tx1"/>
+                </a:solidFill>
+              </a:rPr>
+              <a:t> = -1;</a:t>
+            </a:r>
+          </a:p>
+          <a:p>
+            <a:r>
+              <a:rPr lang="en-US" sz="1200" dirty="0">
+                <a:solidFill>
+                  <a:schemeClr val="tx1"/>
+                </a:solidFill>
+              </a:rPr>
+              <a:t>            _</a:t>
+            </a:r>
+            <a:r>
+              <a:rPr lang="en-US" sz="1200" dirty="0" err="1">
+                <a:solidFill>
+                  <a:schemeClr val="tx1"/>
+                </a:solidFill>
+              </a:rPr>
+              <a:t>repository.Save</a:t>
+            </a:r>
+            <a:r>
+              <a:rPr lang="en-US" sz="1200" dirty="0">
+                <a:solidFill>
+                  <a:schemeClr val="tx1"/>
+                </a:solidFill>
+              </a:rPr>
+              <a:t>(aggregate, </a:t>
+            </a:r>
+            <a:r>
+              <a:rPr lang="en-US" sz="1200" dirty="0" err="1">
+                <a:solidFill>
+                  <a:schemeClr val="tx1"/>
+                </a:solidFill>
+              </a:rPr>
+              <a:t>aggregate.Version</a:t>
+            </a:r>
+            <a:r>
+              <a:rPr lang="en-US" sz="1200" dirty="0">
+                <a:solidFill>
+                  <a:schemeClr val="tx1"/>
+                </a:solidFill>
+              </a:rPr>
+              <a:t>);</a:t>
+            </a:r>
+          </a:p>
+          <a:p>
+            <a:r>
+              <a:rPr lang="en-US" sz="1200" dirty="0">
+                <a:solidFill>
+                  <a:schemeClr val="tx1"/>
+                </a:solidFill>
+              </a:rPr>
+              <a:t>        }</a:t>
+            </a:r>
+          </a:p>
+          <a:p>
+            <a:r>
+              <a:rPr lang="en-US" sz="1200" dirty="0">
+                <a:solidFill>
+                  <a:schemeClr val="tx1"/>
+                </a:solidFill>
+              </a:rPr>
+              <a:t>    }</a:t>
+            </a:r>
+          </a:p>
+        </p:txBody>
+      </p:sp>
+    </p:spTree>
+    <p:extLst>
+      <p:ext uri="{BB962C8B-B14F-4D97-AF65-F5344CB8AC3E}">
+        <p14:creationId xmlns:p14="http://schemas.microsoft.com/office/powerpoint/2010/main" val="905047494"/>
+      </p:ext>
+    </p:extLst>
+  </p:cSld>
+  <p:clrMapOvr>
+    <a:masterClrMapping/>
+  </p:clrMapOvr>
+</p:sld>
+</file>
+
+<file path=ppt/slides/slide9.xml><?xml version="1.0" encoding="utf-8"?>
 <p:sld xmlns:a="http://schemas.openxmlformats.org/drawingml/2006/main" xmlns:r="http://schemas.openxmlformats.org/officeDocument/2006/relationships" xmlns:p="http://schemas.openxmlformats.org/presentationml/2006/main">
   <p:cSld>
     <p:spTree>
